--- a/2 -  Consultas avancadas com Microsoft SQL Server 2017/Linkedin.pptx
+++ b/2 -  Consultas avancadas com Microsoft SQL Server 2017/Linkedin.pptx
@@ -7,7 +7,10 @@
   <p:sldIdLst>
     <p:sldId id="256" r:id="rId2"/>
     <p:sldId id="328" r:id="rId3"/>
-    <p:sldId id="326" r:id="rId4"/>
+    <p:sldId id="329" r:id="rId4"/>
+    <p:sldId id="330" r:id="rId5"/>
+    <p:sldId id="331" r:id="rId6"/>
+    <p:sldId id="332" r:id="rId7"/>
   </p:sldIdLst>
   <p:sldSz cx="9144000" cy="6858000" type="screen4x3"/>
   <p:notesSz cx="6858000" cy="9144000"/>
@@ -283,7 +286,7 @@
             <a:fld id="{41371B2D-5B36-42E3-97A0-9B2A345893FE}" type="datetimeFigureOut">
               <a:rPr lang="pt-BR" smtClean="0"/>
               <a:pPr/>
-              <a:t>18/07/2021</a:t>
+              <a:t>20/07/2021</a:t>
             </a:fld>
             <a:endParaRPr lang="pt-BR"/>
           </a:p>
@@ -450,7 +453,7 @@
             <a:fld id="{41371B2D-5B36-42E3-97A0-9B2A345893FE}" type="datetimeFigureOut">
               <a:rPr lang="pt-BR" smtClean="0"/>
               <a:pPr/>
-              <a:t>18/07/2021</a:t>
+              <a:t>20/07/2021</a:t>
             </a:fld>
             <a:endParaRPr lang="pt-BR"/>
           </a:p>
@@ -627,7 +630,7 @@
             <a:fld id="{41371B2D-5B36-42E3-97A0-9B2A345893FE}" type="datetimeFigureOut">
               <a:rPr lang="pt-BR" smtClean="0"/>
               <a:pPr/>
-              <a:t>18/07/2021</a:t>
+              <a:t>20/07/2021</a:t>
             </a:fld>
             <a:endParaRPr lang="pt-BR"/>
           </a:p>
@@ -794,7 +797,7 @@
             <a:fld id="{41371B2D-5B36-42E3-97A0-9B2A345893FE}" type="datetimeFigureOut">
               <a:rPr lang="pt-BR" smtClean="0"/>
               <a:pPr/>
-              <a:t>18/07/2021</a:t>
+              <a:t>20/07/2021</a:t>
             </a:fld>
             <a:endParaRPr lang="pt-BR"/>
           </a:p>
@@ -1038,7 +1041,7 @@
             <a:fld id="{41371B2D-5B36-42E3-97A0-9B2A345893FE}" type="datetimeFigureOut">
               <a:rPr lang="pt-BR" smtClean="0"/>
               <a:pPr/>
-              <a:t>18/07/2021</a:t>
+              <a:t>20/07/2021</a:t>
             </a:fld>
             <a:endParaRPr lang="pt-BR"/>
           </a:p>
@@ -1304,7 +1307,7 @@
             <a:fld id="{41371B2D-5B36-42E3-97A0-9B2A345893FE}" type="datetimeFigureOut">
               <a:rPr lang="pt-BR" smtClean="0"/>
               <a:pPr/>
-              <a:t>18/07/2021</a:t>
+              <a:t>20/07/2021</a:t>
             </a:fld>
             <a:endParaRPr lang="pt-BR"/>
           </a:p>
@@ -1684,7 +1687,7 @@
             <a:fld id="{41371B2D-5B36-42E3-97A0-9B2A345893FE}" type="datetimeFigureOut">
               <a:rPr lang="pt-BR" smtClean="0"/>
               <a:pPr/>
-              <a:t>18/07/2021</a:t>
+              <a:t>20/07/2021</a:t>
             </a:fld>
             <a:endParaRPr lang="pt-BR"/>
           </a:p>
@@ -1836,7 +1839,7 @@
             <a:fld id="{41371B2D-5B36-42E3-97A0-9B2A345893FE}" type="datetimeFigureOut">
               <a:rPr lang="pt-BR" smtClean="0"/>
               <a:pPr/>
-              <a:t>18/07/2021</a:t>
+              <a:t>20/07/2021</a:t>
             </a:fld>
             <a:endParaRPr lang="pt-BR"/>
           </a:p>
@@ -1928,7 +1931,7 @@
             <a:fld id="{41371B2D-5B36-42E3-97A0-9B2A345893FE}" type="datetimeFigureOut">
               <a:rPr lang="pt-BR" smtClean="0"/>
               <a:pPr/>
-              <a:t>18/07/2021</a:t>
+              <a:t>20/07/2021</a:t>
             </a:fld>
             <a:endParaRPr lang="pt-BR"/>
           </a:p>
@@ -2191,7 +2194,7 @@
             <a:fld id="{41371B2D-5B36-42E3-97A0-9B2A345893FE}" type="datetimeFigureOut">
               <a:rPr lang="pt-BR" smtClean="0"/>
               <a:pPr/>
-              <a:t>18/07/2021</a:t>
+              <a:t>20/07/2021</a:t>
             </a:fld>
             <a:endParaRPr lang="pt-BR"/>
           </a:p>
@@ -2481,7 +2484,7 @@
             <a:fld id="{41371B2D-5B36-42E3-97A0-9B2A345893FE}" type="datetimeFigureOut">
               <a:rPr lang="pt-BR" smtClean="0"/>
               <a:pPr/>
-              <a:t>18/07/2021</a:t>
+              <a:t>20/07/2021</a:t>
             </a:fld>
             <a:endParaRPr lang="pt-BR"/>
           </a:p>
@@ -3254,7 +3257,7 @@
             <a:fld id="{41371B2D-5B36-42E3-97A0-9B2A345893FE}" type="datetimeFigureOut">
               <a:rPr lang="pt-BR" smtClean="0"/>
               <a:pPr/>
-              <a:t>18/07/2021</a:t>
+              <a:t>20/07/2021</a:t>
             </a:fld>
             <a:endParaRPr lang="pt-BR"/>
           </a:p>
@@ -3875,7 +3878,7 @@
       </p:grpSpPr>
       <p:pic>
         <p:nvPicPr>
-          <p:cNvPr id="4" name="Imagem 3" descr="Dashboard com Pentaho - Visualize e analise os dados.PNG"/>
+          <p:cNvPr id="4" name="Imagem 3" descr="Capturar.PNG"/>
           <p:cNvPicPr>
             <a:picLocks noChangeAspect="1"/>
           </p:cNvPicPr>
@@ -3889,8 +3892,8 @@
         </p:blipFill>
         <p:spPr>
           <a:xfrm>
-            <a:off x="142844" y="1000108"/>
-            <a:ext cx="8840434" cy="5611008"/>
+            <a:off x="108336" y="1000109"/>
+            <a:ext cx="8821382" cy="5857916"/>
           </a:xfrm>
           <a:prstGeom prst="rect">
             <a:avLst/>
@@ -3902,6 +3905,13 @@
   <p:clrMapOvr>
     <a:masterClrMapping/>
   </p:clrMapOvr>
+  <p:timing>
+    <p:tnLst>
+      <p:par>
+        <p:cTn id="1" dur="indefinite" restart="never" nodeType="tmRoot"/>
+      </p:par>
+    </p:tnLst>
+  </p:timing>
 </p:sld>
 </file>
 
@@ -3922,39 +3932,129 @@
           <a:chExt cx="0" cy="0"/>
         </a:xfrm>
       </p:grpSpPr>
-      <p:pic>
-        <p:nvPicPr>
-          <p:cNvPr id="1026" name="Picture 2"/>
-          <p:cNvPicPr>
-            <a:picLocks noChangeAspect="1" noChangeArrowheads="1"/>
-          </p:cNvPicPr>
+      <p:sp>
+        <p:nvSpPr>
+          <p:cNvPr id="4" name="Retângulo 3"/>
+          <p:cNvSpPr/>
           <p:nvPr/>
-        </p:nvPicPr>
-        <p:blipFill>
-          <a:blip r:embed="rId2"/>
-          <a:srcRect/>
-          <a:stretch>
-            <a:fillRect/>
-          </a:stretch>
-        </p:blipFill>
-        <p:spPr bwMode="auto">
+        </p:nvSpPr>
+        <p:spPr>
           <a:xfrm>
-            <a:off x="0" y="1400156"/>
-            <a:ext cx="9096407" cy="5457844"/>
+            <a:off x="1142976" y="571480"/>
+            <a:ext cx="7177735" cy="923330"/>
           </a:xfrm>
           <a:prstGeom prst="rect">
             <a:avLst/>
           </a:prstGeom>
           <a:noFill/>
-          <a:ln w="9525">
-            <a:noFill/>
-            <a:miter lim="800000"/>
-            <a:headEnd/>
-            <a:tailEnd/>
-          </a:ln>
-          <a:effectLst/>
         </p:spPr>
-      </p:pic>
+        <p:txBody>
+          <a:bodyPr wrap="none" lIns="91440" tIns="45720" rIns="91440" bIns="45720">
+            <a:spAutoFit/>
+          </a:bodyPr>
+          <a:lstStyle/>
+          <a:p>
+            <a:pPr algn="ctr"/>
+            <a:r>
+              <a:rPr lang="pt-BR" sz="5400" b="1" cap="all" dirty="0" smtClean="0">
+                <a:ln w="9000" cmpd="sng">
+                  <a:solidFill>
+                    <a:schemeClr val="accent4">
+                      <a:shade val="50000"/>
+                      <a:satMod val="120000"/>
+                    </a:schemeClr>
+                  </a:solidFill>
+                  <a:prstDash val="solid"/>
+                </a:ln>
+                <a:gradFill>
+                  <a:gsLst>
+                    <a:gs pos="0">
+                      <a:schemeClr val="accent4">
+                        <a:shade val="20000"/>
+                        <a:satMod val="245000"/>
+                      </a:schemeClr>
+                    </a:gs>
+                    <a:gs pos="43000">
+                      <a:schemeClr val="accent4">
+                        <a:satMod val="255000"/>
+                      </a:schemeClr>
+                    </a:gs>
+                    <a:gs pos="48000">
+                      <a:schemeClr val="accent4">
+                        <a:shade val="85000"/>
+                        <a:satMod val="255000"/>
+                      </a:schemeClr>
+                    </a:gs>
+                    <a:gs pos="100000">
+                      <a:schemeClr val="accent4">
+                        <a:shade val="20000"/>
+                        <a:satMod val="245000"/>
+                      </a:schemeClr>
+                    </a:gs>
+                  </a:gsLst>
+                  <a:lin ang="5400000"/>
+                </a:gradFill>
+                <a:effectLst>
+                  <a:outerShdw blurRad="38100" dist="38100" dir="2700000" algn="tl">
+                    <a:srgbClr val="000000">
+                      <a:alpha val="43137"/>
+                    </a:srgbClr>
+                  </a:outerShdw>
+                  <a:reflection blurRad="12700" stA="28000" endPos="45000" dist="1000" dir="5400000" sy="-100000" algn="bl" rotWithShape="0"/>
+                </a:effectLst>
+              </a:rPr>
+              <a:t>Criando Database</a:t>
+            </a:r>
+            <a:endParaRPr lang="pt-BR" sz="5400" b="1" cap="all" dirty="0">
+              <a:ln w="9000" cmpd="sng">
+                <a:solidFill>
+                  <a:schemeClr val="accent4">
+                    <a:shade val="50000"/>
+                    <a:satMod val="120000"/>
+                  </a:schemeClr>
+                </a:solidFill>
+                <a:prstDash val="solid"/>
+              </a:ln>
+              <a:gradFill>
+                <a:gsLst>
+                  <a:gs pos="0">
+                    <a:schemeClr val="accent4">
+                      <a:shade val="20000"/>
+                      <a:satMod val="245000"/>
+                    </a:schemeClr>
+                  </a:gs>
+                  <a:gs pos="43000">
+                    <a:schemeClr val="accent4">
+                      <a:satMod val="255000"/>
+                    </a:schemeClr>
+                  </a:gs>
+                  <a:gs pos="48000">
+                    <a:schemeClr val="accent4">
+                      <a:shade val="85000"/>
+                      <a:satMod val="255000"/>
+                    </a:schemeClr>
+                  </a:gs>
+                  <a:gs pos="100000">
+                    <a:schemeClr val="accent4">
+                      <a:shade val="20000"/>
+                      <a:satMod val="245000"/>
+                    </a:schemeClr>
+                  </a:gs>
+                </a:gsLst>
+                <a:lin ang="5400000"/>
+              </a:gradFill>
+              <a:effectLst>
+                <a:outerShdw blurRad="38100" dist="38100" dir="2700000" algn="tl">
+                  <a:srgbClr val="000000">
+                    <a:alpha val="43137"/>
+                  </a:srgbClr>
+                </a:outerShdw>
+                <a:reflection blurRad="12700" stA="28000" endPos="45000" dist="1000" dir="5400000" sy="-100000" algn="bl" rotWithShape="0"/>
+              </a:effectLst>
+            </a:endParaRPr>
+          </a:p>
+        </p:txBody>
+      </p:sp>
     </p:spTree>
   </p:cSld>
   <p:clrMapOvr>
@@ -3987,39 +4087,594 @@
           <a:chExt cx="0" cy="0"/>
         </a:xfrm>
       </p:grpSpPr>
-      <p:pic>
-        <p:nvPicPr>
-          <p:cNvPr id="2050" name="Picture 2"/>
-          <p:cNvPicPr>
-            <a:picLocks noChangeAspect="1" noChangeArrowheads="1"/>
-          </p:cNvPicPr>
+      <p:sp>
+        <p:nvSpPr>
+          <p:cNvPr id="4" name="Retângulo 3"/>
+          <p:cNvSpPr/>
           <p:nvPr/>
-        </p:nvPicPr>
-        <p:blipFill>
-          <a:blip r:embed="rId2"/>
-          <a:srcRect/>
-          <a:stretch>
-            <a:fillRect/>
-          </a:stretch>
-        </p:blipFill>
-        <p:spPr bwMode="auto">
+        </p:nvSpPr>
+        <p:spPr>
           <a:xfrm>
-            <a:off x="357158" y="938534"/>
-            <a:ext cx="8402244" cy="5919466"/>
+            <a:off x="1142976" y="571480"/>
+            <a:ext cx="7177735" cy="923330"/>
           </a:xfrm>
           <a:prstGeom prst="rect">
             <a:avLst/>
           </a:prstGeom>
           <a:noFill/>
-          <a:ln w="9525">
-            <a:noFill/>
-            <a:miter lim="800000"/>
-            <a:headEnd/>
-            <a:tailEnd/>
-          </a:ln>
-          <a:effectLst/>
         </p:spPr>
-      </p:pic>
+        <p:txBody>
+          <a:bodyPr wrap="none" lIns="91440" tIns="45720" rIns="91440" bIns="45720">
+            <a:spAutoFit/>
+          </a:bodyPr>
+          <a:lstStyle/>
+          <a:p>
+            <a:pPr algn="ctr"/>
+            <a:r>
+              <a:rPr lang="pt-BR" sz="5400" b="1" cap="all" dirty="0" smtClean="0">
+                <a:ln w="9000" cmpd="sng">
+                  <a:solidFill>
+                    <a:schemeClr val="accent4">
+                      <a:shade val="50000"/>
+                      <a:satMod val="120000"/>
+                    </a:schemeClr>
+                  </a:solidFill>
+                  <a:prstDash val="solid"/>
+                </a:ln>
+                <a:gradFill>
+                  <a:gsLst>
+                    <a:gs pos="0">
+                      <a:schemeClr val="accent4">
+                        <a:shade val="20000"/>
+                        <a:satMod val="245000"/>
+                      </a:schemeClr>
+                    </a:gs>
+                    <a:gs pos="43000">
+                      <a:schemeClr val="accent4">
+                        <a:satMod val="255000"/>
+                      </a:schemeClr>
+                    </a:gs>
+                    <a:gs pos="48000">
+                      <a:schemeClr val="accent4">
+                        <a:shade val="85000"/>
+                        <a:satMod val="255000"/>
+                      </a:schemeClr>
+                    </a:gs>
+                    <a:gs pos="100000">
+                      <a:schemeClr val="accent4">
+                        <a:shade val="20000"/>
+                        <a:satMod val="245000"/>
+                      </a:schemeClr>
+                    </a:gs>
+                  </a:gsLst>
+                  <a:lin ang="5400000"/>
+                </a:gradFill>
+                <a:effectLst>
+                  <a:outerShdw blurRad="38100" dist="38100" dir="2700000" algn="tl">
+                    <a:srgbClr val="000000">
+                      <a:alpha val="43137"/>
+                    </a:srgbClr>
+                  </a:outerShdw>
+                  <a:reflection blurRad="12700" stA="28000" endPos="45000" dist="1000" dir="5400000" sy="-100000" algn="bl" rotWithShape="0"/>
+                </a:effectLst>
+              </a:rPr>
+              <a:t>Criando Database</a:t>
+            </a:r>
+            <a:endParaRPr lang="pt-BR" sz="5400" b="1" cap="all" dirty="0">
+              <a:ln w="9000" cmpd="sng">
+                <a:solidFill>
+                  <a:schemeClr val="accent4">
+                    <a:shade val="50000"/>
+                    <a:satMod val="120000"/>
+                  </a:schemeClr>
+                </a:solidFill>
+                <a:prstDash val="solid"/>
+              </a:ln>
+              <a:gradFill>
+                <a:gsLst>
+                  <a:gs pos="0">
+                    <a:schemeClr val="accent4">
+                      <a:shade val="20000"/>
+                      <a:satMod val="245000"/>
+                    </a:schemeClr>
+                  </a:gs>
+                  <a:gs pos="43000">
+                    <a:schemeClr val="accent4">
+                      <a:satMod val="255000"/>
+                    </a:schemeClr>
+                  </a:gs>
+                  <a:gs pos="48000">
+                    <a:schemeClr val="accent4">
+                      <a:shade val="85000"/>
+                      <a:satMod val="255000"/>
+                    </a:schemeClr>
+                  </a:gs>
+                  <a:gs pos="100000">
+                    <a:schemeClr val="accent4">
+                      <a:shade val="20000"/>
+                      <a:satMod val="245000"/>
+                    </a:schemeClr>
+                  </a:gs>
+                </a:gsLst>
+                <a:lin ang="5400000"/>
+              </a:gradFill>
+              <a:effectLst>
+                <a:outerShdw blurRad="38100" dist="38100" dir="2700000" algn="tl">
+                  <a:srgbClr val="000000">
+                    <a:alpha val="43137"/>
+                  </a:srgbClr>
+                </a:outerShdw>
+                <a:reflection blurRad="12700" stA="28000" endPos="45000" dist="1000" dir="5400000" sy="-100000" algn="bl" rotWithShape="0"/>
+              </a:effectLst>
+            </a:endParaRPr>
+          </a:p>
+        </p:txBody>
+      </p:sp>
+    </p:spTree>
+  </p:cSld>
+  <p:clrMapOvr>
+    <a:masterClrMapping/>
+  </p:clrMapOvr>
+  <p:timing>
+    <p:tnLst>
+      <p:par>
+        <p:cTn id="1" dur="indefinite" restart="never" nodeType="tmRoot"/>
+      </p:par>
+    </p:tnLst>
+  </p:timing>
+</p:sld>
+</file>
+
+<file path=ppt/slides/slide4.xml><?xml version="1.0" encoding="utf-8"?>
+<p:sld xmlns:a="http://schemas.openxmlformats.org/drawingml/2006/main" xmlns:r="http://schemas.openxmlformats.org/officeDocument/2006/relationships" xmlns:p="http://schemas.openxmlformats.org/presentationml/2006/main">
+  <p:cSld>
+    <p:spTree>
+      <p:nvGrpSpPr>
+        <p:cNvPr id="1" name=""/>
+        <p:cNvGrpSpPr/>
+        <p:nvPr/>
+      </p:nvGrpSpPr>
+      <p:grpSpPr>
+        <a:xfrm>
+          <a:off x="0" y="0"/>
+          <a:ext cx="0" cy="0"/>
+          <a:chOff x="0" y="0"/>
+          <a:chExt cx="0" cy="0"/>
+        </a:xfrm>
+      </p:grpSpPr>
+      <p:sp>
+        <p:nvSpPr>
+          <p:cNvPr id="4" name="Retângulo 3"/>
+          <p:cNvSpPr/>
+          <p:nvPr/>
+        </p:nvSpPr>
+        <p:spPr>
+          <a:xfrm>
+            <a:off x="1142976" y="571480"/>
+            <a:ext cx="7177735" cy="923330"/>
+          </a:xfrm>
+          <a:prstGeom prst="rect">
+            <a:avLst/>
+          </a:prstGeom>
+          <a:noFill/>
+        </p:spPr>
+        <p:txBody>
+          <a:bodyPr wrap="none" lIns="91440" tIns="45720" rIns="91440" bIns="45720">
+            <a:spAutoFit/>
+          </a:bodyPr>
+          <a:lstStyle/>
+          <a:p>
+            <a:pPr algn="ctr"/>
+            <a:r>
+              <a:rPr lang="pt-BR" sz="5400" b="1" cap="all" dirty="0" smtClean="0">
+                <a:ln w="9000" cmpd="sng">
+                  <a:solidFill>
+                    <a:schemeClr val="accent4">
+                      <a:shade val="50000"/>
+                      <a:satMod val="120000"/>
+                    </a:schemeClr>
+                  </a:solidFill>
+                  <a:prstDash val="solid"/>
+                </a:ln>
+                <a:gradFill>
+                  <a:gsLst>
+                    <a:gs pos="0">
+                      <a:schemeClr val="accent4">
+                        <a:shade val="20000"/>
+                        <a:satMod val="245000"/>
+                      </a:schemeClr>
+                    </a:gs>
+                    <a:gs pos="43000">
+                      <a:schemeClr val="accent4">
+                        <a:satMod val="255000"/>
+                      </a:schemeClr>
+                    </a:gs>
+                    <a:gs pos="48000">
+                      <a:schemeClr val="accent4">
+                        <a:shade val="85000"/>
+                        <a:satMod val="255000"/>
+                      </a:schemeClr>
+                    </a:gs>
+                    <a:gs pos="100000">
+                      <a:schemeClr val="accent4">
+                        <a:shade val="20000"/>
+                        <a:satMod val="245000"/>
+                      </a:schemeClr>
+                    </a:gs>
+                  </a:gsLst>
+                  <a:lin ang="5400000"/>
+                </a:gradFill>
+                <a:effectLst>
+                  <a:outerShdw blurRad="38100" dist="38100" dir="2700000" algn="tl">
+                    <a:srgbClr val="000000">
+                      <a:alpha val="43137"/>
+                    </a:srgbClr>
+                  </a:outerShdw>
+                  <a:reflection blurRad="12700" stA="28000" endPos="45000" dist="1000" dir="5400000" sy="-100000" algn="bl" rotWithShape="0"/>
+                </a:effectLst>
+              </a:rPr>
+              <a:t>Criando Database</a:t>
+            </a:r>
+            <a:endParaRPr lang="pt-BR" sz="5400" b="1" cap="all" dirty="0">
+              <a:ln w="9000" cmpd="sng">
+                <a:solidFill>
+                  <a:schemeClr val="accent4">
+                    <a:shade val="50000"/>
+                    <a:satMod val="120000"/>
+                  </a:schemeClr>
+                </a:solidFill>
+                <a:prstDash val="solid"/>
+              </a:ln>
+              <a:gradFill>
+                <a:gsLst>
+                  <a:gs pos="0">
+                    <a:schemeClr val="accent4">
+                      <a:shade val="20000"/>
+                      <a:satMod val="245000"/>
+                    </a:schemeClr>
+                  </a:gs>
+                  <a:gs pos="43000">
+                    <a:schemeClr val="accent4">
+                      <a:satMod val="255000"/>
+                    </a:schemeClr>
+                  </a:gs>
+                  <a:gs pos="48000">
+                    <a:schemeClr val="accent4">
+                      <a:shade val="85000"/>
+                      <a:satMod val="255000"/>
+                    </a:schemeClr>
+                  </a:gs>
+                  <a:gs pos="100000">
+                    <a:schemeClr val="accent4">
+                      <a:shade val="20000"/>
+                      <a:satMod val="245000"/>
+                    </a:schemeClr>
+                  </a:gs>
+                </a:gsLst>
+                <a:lin ang="5400000"/>
+              </a:gradFill>
+              <a:effectLst>
+                <a:outerShdw blurRad="38100" dist="38100" dir="2700000" algn="tl">
+                  <a:srgbClr val="000000">
+                    <a:alpha val="43137"/>
+                  </a:srgbClr>
+                </a:outerShdw>
+                <a:reflection blurRad="12700" stA="28000" endPos="45000" dist="1000" dir="5400000" sy="-100000" algn="bl" rotWithShape="0"/>
+              </a:effectLst>
+            </a:endParaRPr>
+          </a:p>
+        </p:txBody>
+      </p:sp>
+    </p:spTree>
+  </p:cSld>
+  <p:clrMapOvr>
+    <a:masterClrMapping/>
+  </p:clrMapOvr>
+  <p:timing>
+    <p:tnLst>
+      <p:par>
+        <p:cTn id="1" dur="indefinite" restart="never" nodeType="tmRoot"/>
+      </p:par>
+    </p:tnLst>
+  </p:timing>
+</p:sld>
+</file>
+
+<file path=ppt/slides/slide5.xml><?xml version="1.0" encoding="utf-8"?>
+<p:sld xmlns:a="http://schemas.openxmlformats.org/drawingml/2006/main" xmlns:r="http://schemas.openxmlformats.org/officeDocument/2006/relationships" xmlns:p="http://schemas.openxmlformats.org/presentationml/2006/main">
+  <p:cSld>
+    <p:spTree>
+      <p:nvGrpSpPr>
+        <p:cNvPr id="1" name=""/>
+        <p:cNvGrpSpPr/>
+        <p:nvPr/>
+      </p:nvGrpSpPr>
+      <p:grpSpPr>
+        <a:xfrm>
+          <a:off x="0" y="0"/>
+          <a:ext cx="0" cy="0"/>
+          <a:chOff x="0" y="0"/>
+          <a:chExt cx="0" cy="0"/>
+        </a:xfrm>
+      </p:grpSpPr>
+      <p:sp>
+        <p:nvSpPr>
+          <p:cNvPr id="4" name="Retângulo 3"/>
+          <p:cNvSpPr/>
+          <p:nvPr/>
+        </p:nvSpPr>
+        <p:spPr>
+          <a:xfrm>
+            <a:off x="1142976" y="571480"/>
+            <a:ext cx="7177735" cy="923330"/>
+          </a:xfrm>
+          <a:prstGeom prst="rect">
+            <a:avLst/>
+          </a:prstGeom>
+          <a:noFill/>
+        </p:spPr>
+        <p:txBody>
+          <a:bodyPr wrap="none" lIns="91440" tIns="45720" rIns="91440" bIns="45720">
+            <a:spAutoFit/>
+          </a:bodyPr>
+          <a:lstStyle/>
+          <a:p>
+            <a:pPr algn="ctr"/>
+            <a:r>
+              <a:rPr lang="pt-BR" sz="5400" b="1" cap="all" dirty="0" smtClean="0">
+                <a:ln w="9000" cmpd="sng">
+                  <a:solidFill>
+                    <a:schemeClr val="accent4">
+                      <a:shade val="50000"/>
+                      <a:satMod val="120000"/>
+                    </a:schemeClr>
+                  </a:solidFill>
+                  <a:prstDash val="solid"/>
+                </a:ln>
+                <a:gradFill>
+                  <a:gsLst>
+                    <a:gs pos="0">
+                      <a:schemeClr val="accent4">
+                        <a:shade val="20000"/>
+                        <a:satMod val="245000"/>
+                      </a:schemeClr>
+                    </a:gs>
+                    <a:gs pos="43000">
+                      <a:schemeClr val="accent4">
+                        <a:satMod val="255000"/>
+                      </a:schemeClr>
+                    </a:gs>
+                    <a:gs pos="48000">
+                      <a:schemeClr val="accent4">
+                        <a:shade val="85000"/>
+                        <a:satMod val="255000"/>
+                      </a:schemeClr>
+                    </a:gs>
+                    <a:gs pos="100000">
+                      <a:schemeClr val="accent4">
+                        <a:shade val="20000"/>
+                        <a:satMod val="245000"/>
+                      </a:schemeClr>
+                    </a:gs>
+                  </a:gsLst>
+                  <a:lin ang="5400000"/>
+                </a:gradFill>
+                <a:effectLst>
+                  <a:outerShdw blurRad="38100" dist="38100" dir="2700000" algn="tl">
+                    <a:srgbClr val="000000">
+                      <a:alpha val="43137"/>
+                    </a:srgbClr>
+                  </a:outerShdw>
+                  <a:reflection blurRad="12700" stA="28000" endPos="45000" dist="1000" dir="5400000" sy="-100000" algn="bl" rotWithShape="0"/>
+                </a:effectLst>
+              </a:rPr>
+              <a:t>Criando Database</a:t>
+            </a:r>
+            <a:endParaRPr lang="pt-BR" sz="5400" b="1" cap="all" dirty="0">
+              <a:ln w="9000" cmpd="sng">
+                <a:solidFill>
+                  <a:schemeClr val="accent4">
+                    <a:shade val="50000"/>
+                    <a:satMod val="120000"/>
+                  </a:schemeClr>
+                </a:solidFill>
+                <a:prstDash val="solid"/>
+              </a:ln>
+              <a:gradFill>
+                <a:gsLst>
+                  <a:gs pos="0">
+                    <a:schemeClr val="accent4">
+                      <a:shade val="20000"/>
+                      <a:satMod val="245000"/>
+                    </a:schemeClr>
+                  </a:gs>
+                  <a:gs pos="43000">
+                    <a:schemeClr val="accent4">
+                      <a:satMod val="255000"/>
+                    </a:schemeClr>
+                  </a:gs>
+                  <a:gs pos="48000">
+                    <a:schemeClr val="accent4">
+                      <a:shade val="85000"/>
+                      <a:satMod val="255000"/>
+                    </a:schemeClr>
+                  </a:gs>
+                  <a:gs pos="100000">
+                    <a:schemeClr val="accent4">
+                      <a:shade val="20000"/>
+                      <a:satMod val="245000"/>
+                    </a:schemeClr>
+                  </a:gs>
+                </a:gsLst>
+                <a:lin ang="5400000"/>
+              </a:gradFill>
+              <a:effectLst>
+                <a:outerShdw blurRad="38100" dist="38100" dir="2700000" algn="tl">
+                  <a:srgbClr val="000000">
+                    <a:alpha val="43137"/>
+                  </a:srgbClr>
+                </a:outerShdw>
+                <a:reflection blurRad="12700" stA="28000" endPos="45000" dist="1000" dir="5400000" sy="-100000" algn="bl" rotWithShape="0"/>
+              </a:effectLst>
+            </a:endParaRPr>
+          </a:p>
+        </p:txBody>
+      </p:sp>
+    </p:spTree>
+  </p:cSld>
+  <p:clrMapOvr>
+    <a:masterClrMapping/>
+  </p:clrMapOvr>
+  <p:timing>
+    <p:tnLst>
+      <p:par>
+        <p:cTn id="1" dur="indefinite" restart="never" nodeType="tmRoot"/>
+      </p:par>
+    </p:tnLst>
+  </p:timing>
+</p:sld>
+</file>
+
+<file path=ppt/slides/slide6.xml><?xml version="1.0" encoding="utf-8"?>
+<p:sld xmlns:a="http://schemas.openxmlformats.org/drawingml/2006/main" xmlns:r="http://schemas.openxmlformats.org/officeDocument/2006/relationships" xmlns:p="http://schemas.openxmlformats.org/presentationml/2006/main">
+  <p:cSld>
+    <p:spTree>
+      <p:nvGrpSpPr>
+        <p:cNvPr id="1" name=""/>
+        <p:cNvGrpSpPr/>
+        <p:nvPr/>
+      </p:nvGrpSpPr>
+      <p:grpSpPr>
+        <a:xfrm>
+          <a:off x="0" y="0"/>
+          <a:ext cx="0" cy="0"/>
+          <a:chOff x="0" y="0"/>
+          <a:chExt cx="0" cy="0"/>
+        </a:xfrm>
+      </p:grpSpPr>
+      <p:sp>
+        <p:nvSpPr>
+          <p:cNvPr id="4" name="Retângulo 3"/>
+          <p:cNvSpPr/>
+          <p:nvPr/>
+        </p:nvSpPr>
+        <p:spPr>
+          <a:xfrm>
+            <a:off x="1142976" y="571480"/>
+            <a:ext cx="7177735" cy="923330"/>
+          </a:xfrm>
+          <a:prstGeom prst="rect">
+            <a:avLst/>
+          </a:prstGeom>
+          <a:noFill/>
+        </p:spPr>
+        <p:txBody>
+          <a:bodyPr wrap="none" lIns="91440" tIns="45720" rIns="91440" bIns="45720">
+            <a:spAutoFit/>
+          </a:bodyPr>
+          <a:lstStyle/>
+          <a:p>
+            <a:pPr algn="ctr"/>
+            <a:r>
+              <a:rPr lang="pt-BR" sz="5400" b="1" cap="all" dirty="0" smtClean="0">
+                <a:ln w="9000" cmpd="sng">
+                  <a:solidFill>
+                    <a:schemeClr val="accent4">
+                      <a:shade val="50000"/>
+                      <a:satMod val="120000"/>
+                    </a:schemeClr>
+                  </a:solidFill>
+                  <a:prstDash val="solid"/>
+                </a:ln>
+                <a:gradFill>
+                  <a:gsLst>
+                    <a:gs pos="0">
+                      <a:schemeClr val="accent4">
+                        <a:shade val="20000"/>
+                        <a:satMod val="245000"/>
+                      </a:schemeClr>
+                    </a:gs>
+                    <a:gs pos="43000">
+                      <a:schemeClr val="accent4">
+                        <a:satMod val="255000"/>
+                      </a:schemeClr>
+                    </a:gs>
+                    <a:gs pos="48000">
+                      <a:schemeClr val="accent4">
+                        <a:shade val="85000"/>
+                        <a:satMod val="255000"/>
+                      </a:schemeClr>
+                    </a:gs>
+                    <a:gs pos="100000">
+                      <a:schemeClr val="accent4">
+                        <a:shade val="20000"/>
+                        <a:satMod val="245000"/>
+                      </a:schemeClr>
+                    </a:gs>
+                  </a:gsLst>
+                  <a:lin ang="5400000"/>
+                </a:gradFill>
+                <a:effectLst>
+                  <a:outerShdw blurRad="38100" dist="38100" dir="2700000" algn="tl">
+                    <a:srgbClr val="000000">
+                      <a:alpha val="43137"/>
+                    </a:srgbClr>
+                  </a:outerShdw>
+                  <a:reflection blurRad="12700" stA="28000" endPos="45000" dist="1000" dir="5400000" sy="-100000" algn="bl" rotWithShape="0"/>
+                </a:effectLst>
+              </a:rPr>
+              <a:t>Criando Database</a:t>
+            </a:r>
+            <a:endParaRPr lang="pt-BR" sz="5400" b="1" cap="all" dirty="0">
+              <a:ln w="9000" cmpd="sng">
+                <a:solidFill>
+                  <a:schemeClr val="accent4">
+                    <a:shade val="50000"/>
+                    <a:satMod val="120000"/>
+                  </a:schemeClr>
+                </a:solidFill>
+                <a:prstDash val="solid"/>
+              </a:ln>
+              <a:gradFill>
+                <a:gsLst>
+                  <a:gs pos="0">
+                    <a:schemeClr val="accent4">
+                      <a:shade val="20000"/>
+                      <a:satMod val="245000"/>
+                    </a:schemeClr>
+                  </a:gs>
+                  <a:gs pos="43000">
+                    <a:schemeClr val="accent4">
+                      <a:satMod val="255000"/>
+                    </a:schemeClr>
+                  </a:gs>
+                  <a:gs pos="48000">
+                    <a:schemeClr val="accent4">
+                      <a:shade val="85000"/>
+                      <a:satMod val="255000"/>
+                    </a:schemeClr>
+                  </a:gs>
+                  <a:gs pos="100000">
+                    <a:schemeClr val="accent4">
+                      <a:shade val="20000"/>
+                      <a:satMod val="245000"/>
+                    </a:schemeClr>
+                  </a:gs>
+                </a:gsLst>
+                <a:lin ang="5400000"/>
+              </a:gradFill>
+              <a:effectLst>
+                <a:outerShdw blurRad="38100" dist="38100" dir="2700000" algn="tl">
+                  <a:srgbClr val="000000">
+                    <a:alpha val="43137"/>
+                  </a:srgbClr>
+                </a:outerShdw>
+                <a:reflection blurRad="12700" stA="28000" endPos="45000" dist="1000" dir="5400000" sy="-100000" algn="bl" rotWithShape="0"/>
+              </a:effectLst>
+            </a:endParaRPr>
+          </a:p>
+        </p:txBody>
+      </p:sp>
     </p:spTree>
   </p:cSld>
   <p:clrMapOvr>

--- a/2 -  Consultas avancadas com Microsoft SQL Server 2017/Linkedin.pptx
+++ b/2 -  Consultas avancadas com Microsoft SQL Server 2017/Linkedin.pptx
@@ -8,9 +8,25 @@
     <p:sldId id="256" r:id="rId2"/>
     <p:sldId id="328" r:id="rId3"/>
     <p:sldId id="329" r:id="rId4"/>
-    <p:sldId id="330" r:id="rId5"/>
-    <p:sldId id="331" r:id="rId6"/>
+    <p:sldId id="331" r:id="rId5"/>
+    <p:sldId id="330" r:id="rId6"/>
     <p:sldId id="332" r:id="rId7"/>
+    <p:sldId id="333" r:id="rId8"/>
+    <p:sldId id="334" r:id="rId9"/>
+    <p:sldId id="335" r:id="rId10"/>
+    <p:sldId id="336" r:id="rId11"/>
+    <p:sldId id="337" r:id="rId12"/>
+    <p:sldId id="338" r:id="rId13"/>
+    <p:sldId id="339" r:id="rId14"/>
+    <p:sldId id="340" r:id="rId15"/>
+    <p:sldId id="341" r:id="rId16"/>
+    <p:sldId id="343" r:id="rId17"/>
+    <p:sldId id="342" r:id="rId18"/>
+    <p:sldId id="344" r:id="rId19"/>
+    <p:sldId id="345" r:id="rId20"/>
+    <p:sldId id="346" r:id="rId21"/>
+    <p:sldId id="347" r:id="rId22"/>
+    <p:sldId id="348" r:id="rId23"/>
   </p:sldIdLst>
   <p:sldSz cx="9144000" cy="6858000" type="screen4x3"/>
   <p:notesSz cx="6858000" cy="9144000"/>
@@ -286,7 +302,7 @@
             <a:fld id="{41371B2D-5B36-42E3-97A0-9B2A345893FE}" type="datetimeFigureOut">
               <a:rPr lang="pt-BR" smtClean="0"/>
               <a:pPr/>
-              <a:t>20/07/2021</a:t>
+              <a:t>21/07/2021</a:t>
             </a:fld>
             <a:endParaRPr lang="pt-BR"/>
           </a:p>
@@ -453,7 +469,7 @@
             <a:fld id="{41371B2D-5B36-42E3-97A0-9B2A345893FE}" type="datetimeFigureOut">
               <a:rPr lang="pt-BR" smtClean="0"/>
               <a:pPr/>
-              <a:t>20/07/2021</a:t>
+              <a:t>21/07/2021</a:t>
             </a:fld>
             <a:endParaRPr lang="pt-BR"/>
           </a:p>
@@ -630,7 +646,7 @@
             <a:fld id="{41371B2D-5B36-42E3-97A0-9B2A345893FE}" type="datetimeFigureOut">
               <a:rPr lang="pt-BR" smtClean="0"/>
               <a:pPr/>
-              <a:t>20/07/2021</a:t>
+              <a:t>21/07/2021</a:t>
             </a:fld>
             <a:endParaRPr lang="pt-BR"/>
           </a:p>
@@ -797,7 +813,7 @@
             <a:fld id="{41371B2D-5B36-42E3-97A0-9B2A345893FE}" type="datetimeFigureOut">
               <a:rPr lang="pt-BR" smtClean="0"/>
               <a:pPr/>
-              <a:t>20/07/2021</a:t>
+              <a:t>21/07/2021</a:t>
             </a:fld>
             <a:endParaRPr lang="pt-BR"/>
           </a:p>
@@ -1041,7 +1057,7 @@
             <a:fld id="{41371B2D-5B36-42E3-97A0-9B2A345893FE}" type="datetimeFigureOut">
               <a:rPr lang="pt-BR" smtClean="0"/>
               <a:pPr/>
-              <a:t>20/07/2021</a:t>
+              <a:t>21/07/2021</a:t>
             </a:fld>
             <a:endParaRPr lang="pt-BR"/>
           </a:p>
@@ -1307,7 +1323,7 @@
             <a:fld id="{41371B2D-5B36-42E3-97A0-9B2A345893FE}" type="datetimeFigureOut">
               <a:rPr lang="pt-BR" smtClean="0"/>
               <a:pPr/>
-              <a:t>20/07/2021</a:t>
+              <a:t>21/07/2021</a:t>
             </a:fld>
             <a:endParaRPr lang="pt-BR"/>
           </a:p>
@@ -1687,7 +1703,7 @@
             <a:fld id="{41371B2D-5B36-42E3-97A0-9B2A345893FE}" type="datetimeFigureOut">
               <a:rPr lang="pt-BR" smtClean="0"/>
               <a:pPr/>
-              <a:t>20/07/2021</a:t>
+              <a:t>21/07/2021</a:t>
             </a:fld>
             <a:endParaRPr lang="pt-BR"/>
           </a:p>
@@ -1839,7 +1855,7 @@
             <a:fld id="{41371B2D-5B36-42E3-97A0-9B2A345893FE}" type="datetimeFigureOut">
               <a:rPr lang="pt-BR" smtClean="0"/>
               <a:pPr/>
-              <a:t>20/07/2021</a:t>
+              <a:t>21/07/2021</a:t>
             </a:fld>
             <a:endParaRPr lang="pt-BR"/>
           </a:p>
@@ -1931,7 +1947,7 @@
             <a:fld id="{41371B2D-5B36-42E3-97A0-9B2A345893FE}" type="datetimeFigureOut">
               <a:rPr lang="pt-BR" smtClean="0"/>
               <a:pPr/>
-              <a:t>20/07/2021</a:t>
+              <a:t>21/07/2021</a:t>
             </a:fld>
             <a:endParaRPr lang="pt-BR"/>
           </a:p>
@@ -2194,7 +2210,7 @@
             <a:fld id="{41371B2D-5B36-42E3-97A0-9B2A345893FE}" type="datetimeFigureOut">
               <a:rPr lang="pt-BR" smtClean="0"/>
               <a:pPr/>
-              <a:t>20/07/2021</a:t>
+              <a:t>21/07/2021</a:t>
             </a:fld>
             <a:endParaRPr lang="pt-BR"/>
           </a:p>
@@ -2484,7 +2500,7 @@
             <a:fld id="{41371B2D-5B36-42E3-97A0-9B2A345893FE}" type="datetimeFigureOut">
               <a:rPr lang="pt-BR" smtClean="0"/>
               <a:pPr/>
-              <a:t>20/07/2021</a:t>
+              <a:t>21/07/2021</a:t>
             </a:fld>
             <a:endParaRPr lang="pt-BR"/>
           </a:p>
@@ -3257,7 +3273,7 @@
             <a:fld id="{41371B2D-5B36-42E3-97A0-9B2A345893FE}" type="datetimeFigureOut">
               <a:rPr lang="pt-BR" smtClean="0"/>
               <a:pPr/>
-              <a:t>20/07/2021</a:t>
+              <a:t>21/07/2021</a:t>
             </a:fld>
             <a:endParaRPr lang="pt-BR"/>
           </a:p>
@@ -3915,6 +3931,1962 @@
 </p:sld>
 </file>
 
+<file path=ppt/slides/slide10.xml><?xml version="1.0" encoding="utf-8"?>
+<p:sld xmlns:a="http://schemas.openxmlformats.org/drawingml/2006/main" xmlns:r="http://schemas.openxmlformats.org/officeDocument/2006/relationships" xmlns:p="http://schemas.openxmlformats.org/presentationml/2006/main">
+  <p:cSld>
+    <p:spTree>
+      <p:nvGrpSpPr>
+        <p:cNvPr id="1" name=""/>
+        <p:cNvGrpSpPr/>
+        <p:nvPr/>
+      </p:nvGrpSpPr>
+      <p:grpSpPr>
+        <a:xfrm>
+          <a:off x="0" y="0"/>
+          <a:ext cx="0" cy="0"/>
+          <a:chOff x="0" y="0"/>
+          <a:chExt cx="0" cy="0"/>
+        </a:xfrm>
+      </p:grpSpPr>
+      <p:sp>
+        <p:nvSpPr>
+          <p:cNvPr id="3" name="Retângulo 2"/>
+          <p:cNvSpPr/>
+          <p:nvPr/>
+        </p:nvSpPr>
+        <p:spPr>
+          <a:xfrm>
+            <a:off x="142844" y="785794"/>
+            <a:ext cx="8782917" cy="1631216"/>
+          </a:xfrm>
+          <a:prstGeom prst="rect">
+            <a:avLst/>
+          </a:prstGeom>
+          <a:noFill/>
+        </p:spPr>
+        <p:txBody>
+          <a:bodyPr wrap="none" lIns="91440" tIns="45720" rIns="91440" bIns="45720">
+            <a:spAutoFit/>
+          </a:bodyPr>
+          <a:lstStyle/>
+          <a:p>
+            <a:pPr algn="ctr"/>
+            <a:r>
+              <a:rPr lang="pt-BR" sz="5000" b="1" cap="all" dirty="0" smtClean="0">
+                <a:ln w="9000" cmpd="sng">
+                  <a:solidFill>
+                    <a:schemeClr val="accent4">
+                      <a:shade val="50000"/>
+                      <a:satMod val="120000"/>
+                    </a:schemeClr>
+                  </a:solidFill>
+                  <a:prstDash val="solid"/>
+                </a:ln>
+                <a:gradFill>
+                  <a:gsLst>
+                    <a:gs pos="0">
+                      <a:schemeClr val="accent4">
+                        <a:shade val="20000"/>
+                        <a:satMod val="245000"/>
+                      </a:schemeClr>
+                    </a:gs>
+                    <a:gs pos="43000">
+                      <a:schemeClr val="accent4">
+                        <a:satMod val="255000"/>
+                      </a:schemeClr>
+                    </a:gs>
+                    <a:gs pos="48000">
+                      <a:schemeClr val="accent4">
+                        <a:shade val="85000"/>
+                        <a:satMod val="255000"/>
+                      </a:schemeClr>
+                    </a:gs>
+                    <a:gs pos="100000">
+                      <a:schemeClr val="accent4">
+                        <a:shade val="20000"/>
+                        <a:satMod val="245000"/>
+                      </a:schemeClr>
+                    </a:gs>
+                  </a:gsLst>
+                  <a:lin ang="5400000"/>
+                </a:gradFill>
+                <a:effectLst>
+                  <a:outerShdw blurRad="38100" dist="38100" dir="2700000" algn="tl">
+                    <a:srgbClr val="000000">
+                      <a:alpha val="43137"/>
+                    </a:srgbClr>
+                  </a:outerShdw>
+                  <a:reflection blurRad="12700" stA="28000" endPos="45000" dist="1000" dir="5400000" sy="-100000" algn="bl" rotWithShape="0"/>
+                </a:effectLst>
+              </a:rPr>
+              <a:t>Agrupando Resultados </a:t>
+            </a:r>
+          </a:p>
+          <a:p>
+            <a:pPr algn="ctr"/>
+            <a:r>
+              <a:rPr lang="pt-BR" sz="5000" b="1" cap="all" dirty="0" smtClean="0">
+                <a:ln w="9000" cmpd="sng">
+                  <a:solidFill>
+                    <a:schemeClr val="accent4">
+                      <a:shade val="50000"/>
+                      <a:satMod val="120000"/>
+                    </a:schemeClr>
+                  </a:solidFill>
+                  <a:prstDash val="solid"/>
+                </a:ln>
+                <a:gradFill>
+                  <a:gsLst>
+                    <a:gs pos="0">
+                      <a:schemeClr val="accent4">
+                        <a:shade val="20000"/>
+                        <a:satMod val="245000"/>
+                      </a:schemeClr>
+                    </a:gs>
+                    <a:gs pos="43000">
+                      <a:schemeClr val="accent4">
+                        <a:satMod val="255000"/>
+                      </a:schemeClr>
+                    </a:gs>
+                    <a:gs pos="48000">
+                      <a:schemeClr val="accent4">
+                        <a:shade val="85000"/>
+                        <a:satMod val="255000"/>
+                      </a:schemeClr>
+                    </a:gs>
+                    <a:gs pos="100000">
+                      <a:schemeClr val="accent4">
+                        <a:shade val="20000"/>
+                        <a:satMod val="245000"/>
+                      </a:schemeClr>
+                    </a:gs>
+                  </a:gsLst>
+                  <a:lin ang="5400000"/>
+                </a:gradFill>
+                <a:effectLst>
+                  <a:outerShdw blurRad="38100" dist="38100" dir="2700000" algn="tl">
+                    <a:srgbClr val="000000">
+                      <a:alpha val="43137"/>
+                    </a:srgbClr>
+                  </a:outerShdw>
+                  <a:reflection blurRad="12700" stA="28000" endPos="45000" dist="1000" dir="5400000" sy="-100000" algn="bl" rotWithShape="0"/>
+                </a:effectLst>
+              </a:rPr>
+              <a:t>MIN</a:t>
+            </a:r>
+            <a:endParaRPr lang="pt-BR" sz="5000" b="1" cap="all" dirty="0">
+              <a:ln w="9000" cmpd="sng">
+                <a:solidFill>
+                  <a:schemeClr val="accent4">
+                    <a:shade val="50000"/>
+                    <a:satMod val="120000"/>
+                  </a:schemeClr>
+                </a:solidFill>
+                <a:prstDash val="solid"/>
+              </a:ln>
+              <a:gradFill>
+                <a:gsLst>
+                  <a:gs pos="0">
+                    <a:schemeClr val="accent4">
+                      <a:shade val="20000"/>
+                      <a:satMod val="245000"/>
+                    </a:schemeClr>
+                  </a:gs>
+                  <a:gs pos="43000">
+                    <a:schemeClr val="accent4">
+                      <a:satMod val="255000"/>
+                    </a:schemeClr>
+                  </a:gs>
+                  <a:gs pos="48000">
+                    <a:schemeClr val="accent4">
+                      <a:shade val="85000"/>
+                      <a:satMod val="255000"/>
+                    </a:schemeClr>
+                  </a:gs>
+                  <a:gs pos="100000">
+                    <a:schemeClr val="accent4">
+                      <a:shade val="20000"/>
+                      <a:satMod val="245000"/>
+                    </a:schemeClr>
+                  </a:gs>
+                </a:gsLst>
+                <a:lin ang="5400000"/>
+              </a:gradFill>
+              <a:effectLst>
+                <a:outerShdw blurRad="38100" dist="38100" dir="2700000" algn="tl">
+                  <a:srgbClr val="000000">
+                    <a:alpha val="43137"/>
+                  </a:srgbClr>
+                </a:outerShdw>
+                <a:reflection blurRad="12700" stA="28000" endPos="45000" dist="1000" dir="5400000" sy="-100000" algn="bl" rotWithShape="0"/>
+              </a:effectLst>
+            </a:endParaRPr>
+          </a:p>
+        </p:txBody>
+      </p:sp>
+      <p:pic>
+        <p:nvPicPr>
+          <p:cNvPr id="9218" name="Picture 2"/>
+          <p:cNvPicPr>
+            <a:picLocks noChangeAspect="1" noChangeArrowheads="1"/>
+          </p:cNvPicPr>
+          <p:nvPr/>
+        </p:nvPicPr>
+        <p:blipFill>
+          <a:blip r:embed="rId2"/>
+          <a:srcRect/>
+          <a:stretch>
+            <a:fillRect/>
+          </a:stretch>
+        </p:blipFill>
+        <p:spPr bwMode="auto">
+          <a:xfrm>
+            <a:off x="57150" y="2643182"/>
+            <a:ext cx="9086850" cy="3500462"/>
+          </a:xfrm>
+          <a:prstGeom prst="rect">
+            <a:avLst/>
+          </a:prstGeom>
+          <a:noFill/>
+          <a:ln w="9525">
+            <a:noFill/>
+            <a:miter lim="800000"/>
+            <a:headEnd/>
+            <a:tailEnd/>
+          </a:ln>
+          <a:effectLst/>
+        </p:spPr>
+      </p:pic>
+    </p:spTree>
+  </p:cSld>
+  <p:clrMapOvr>
+    <a:masterClrMapping/>
+  </p:clrMapOvr>
+  <p:timing>
+    <p:tnLst>
+      <p:par>
+        <p:cTn id="1" dur="indefinite" restart="never" nodeType="tmRoot"/>
+      </p:par>
+    </p:tnLst>
+  </p:timing>
+</p:sld>
+</file>
+
+<file path=ppt/slides/slide11.xml><?xml version="1.0" encoding="utf-8"?>
+<p:sld xmlns:a="http://schemas.openxmlformats.org/drawingml/2006/main" xmlns:r="http://schemas.openxmlformats.org/officeDocument/2006/relationships" xmlns:p="http://schemas.openxmlformats.org/presentationml/2006/main">
+  <p:cSld>
+    <p:spTree>
+      <p:nvGrpSpPr>
+        <p:cNvPr id="1" name=""/>
+        <p:cNvGrpSpPr/>
+        <p:nvPr/>
+      </p:nvGrpSpPr>
+      <p:grpSpPr>
+        <a:xfrm>
+          <a:off x="0" y="0"/>
+          <a:ext cx="0" cy="0"/>
+          <a:chOff x="0" y="0"/>
+          <a:chExt cx="0" cy="0"/>
+        </a:xfrm>
+      </p:grpSpPr>
+      <p:sp>
+        <p:nvSpPr>
+          <p:cNvPr id="3" name="Retângulo 2"/>
+          <p:cNvSpPr/>
+          <p:nvPr/>
+        </p:nvSpPr>
+        <p:spPr>
+          <a:xfrm>
+            <a:off x="142844" y="785794"/>
+            <a:ext cx="8782917" cy="1631216"/>
+          </a:xfrm>
+          <a:prstGeom prst="rect">
+            <a:avLst/>
+          </a:prstGeom>
+          <a:noFill/>
+        </p:spPr>
+        <p:txBody>
+          <a:bodyPr wrap="none" lIns="91440" tIns="45720" rIns="91440" bIns="45720">
+            <a:spAutoFit/>
+          </a:bodyPr>
+          <a:lstStyle/>
+          <a:p>
+            <a:pPr algn="ctr"/>
+            <a:r>
+              <a:rPr lang="pt-BR" sz="5000" b="1" cap="all" dirty="0" smtClean="0">
+                <a:ln w="9000" cmpd="sng">
+                  <a:solidFill>
+                    <a:schemeClr val="accent4">
+                      <a:shade val="50000"/>
+                      <a:satMod val="120000"/>
+                    </a:schemeClr>
+                  </a:solidFill>
+                  <a:prstDash val="solid"/>
+                </a:ln>
+                <a:gradFill>
+                  <a:gsLst>
+                    <a:gs pos="0">
+                      <a:schemeClr val="accent4">
+                        <a:shade val="20000"/>
+                        <a:satMod val="245000"/>
+                      </a:schemeClr>
+                    </a:gs>
+                    <a:gs pos="43000">
+                      <a:schemeClr val="accent4">
+                        <a:satMod val="255000"/>
+                      </a:schemeClr>
+                    </a:gs>
+                    <a:gs pos="48000">
+                      <a:schemeClr val="accent4">
+                        <a:shade val="85000"/>
+                        <a:satMod val="255000"/>
+                      </a:schemeClr>
+                    </a:gs>
+                    <a:gs pos="100000">
+                      <a:schemeClr val="accent4">
+                        <a:shade val="20000"/>
+                        <a:satMod val="245000"/>
+                      </a:schemeClr>
+                    </a:gs>
+                  </a:gsLst>
+                  <a:lin ang="5400000"/>
+                </a:gradFill>
+                <a:effectLst>
+                  <a:outerShdw blurRad="38100" dist="38100" dir="2700000" algn="tl">
+                    <a:srgbClr val="000000">
+                      <a:alpha val="43137"/>
+                    </a:srgbClr>
+                  </a:outerShdw>
+                  <a:reflection blurRad="12700" stA="28000" endPos="45000" dist="1000" dir="5400000" sy="-100000" algn="bl" rotWithShape="0"/>
+                </a:effectLst>
+              </a:rPr>
+              <a:t>Agrupando Resultados </a:t>
+            </a:r>
+          </a:p>
+          <a:p>
+            <a:pPr algn="ctr"/>
+            <a:r>
+              <a:rPr lang="pt-BR" sz="5000" b="1" cap="all" dirty="0" smtClean="0">
+                <a:ln w="9000" cmpd="sng">
+                  <a:solidFill>
+                    <a:schemeClr val="accent4">
+                      <a:shade val="50000"/>
+                      <a:satMod val="120000"/>
+                    </a:schemeClr>
+                  </a:solidFill>
+                  <a:prstDash val="solid"/>
+                </a:ln>
+                <a:gradFill>
+                  <a:gsLst>
+                    <a:gs pos="0">
+                      <a:schemeClr val="accent4">
+                        <a:shade val="20000"/>
+                        <a:satMod val="245000"/>
+                      </a:schemeClr>
+                    </a:gs>
+                    <a:gs pos="43000">
+                      <a:schemeClr val="accent4">
+                        <a:satMod val="255000"/>
+                      </a:schemeClr>
+                    </a:gs>
+                    <a:gs pos="48000">
+                      <a:schemeClr val="accent4">
+                        <a:shade val="85000"/>
+                        <a:satMod val="255000"/>
+                      </a:schemeClr>
+                    </a:gs>
+                    <a:gs pos="100000">
+                      <a:schemeClr val="accent4">
+                        <a:shade val="20000"/>
+                        <a:satMod val="245000"/>
+                      </a:schemeClr>
+                    </a:gs>
+                  </a:gsLst>
+                  <a:lin ang="5400000"/>
+                </a:gradFill>
+                <a:effectLst>
+                  <a:outerShdw blurRad="38100" dist="38100" dir="2700000" algn="tl">
+                    <a:srgbClr val="000000">
+                      <a:alpha val="43137"/>
+                    </a:srgbClr>
+                  </a:outerShdw>
+                  <a:reflection blurRad="12700" stA="28000" endPos="45000" dist="1000" dir="5400000" sy="-100000" algn="bl" rotWithShape="0"/>
+                </a:effectLst>
+              </a:rPr>
+              <a:t>COUNT</a:t>
+            </a:r>
+            <a:endParaRPr lang="pt-BR" sz="5000" b="1" cap="all" dirty="0">
+              <a:ln w="9000" cmpd="sng">
+                <a:solidFill>
+                  <a:schemeClr val="accent4">
+                    <a:shade val="50000"/>
+                    <a:satMod val="120000"/>
+                  </a:schemeClr>
+                </a:solidFill>
+                <a:prstDash val="solid"/>
+              </a:ln>
+              <a:gradFill>
+                <a:gsLst>
+                  <a:gs pos="0">
+                    <a:schemeClr val="accent4">
+                      <a:shade val="20000"/>
+                      <a:satMod val="245000"/>
+                    </a:schemeClr>
+                  </a:gs>
+                  <a:gs pos="43000">
+                    <a:schemeClr val="accent4">
+                      <a:satMod val="255000"/>
+                    </a:schemeClr>
+                  </a:gs>
+                  <a:gs pos="48000">
+                    <a:schemeClr val="accent4">
+                      <a:shade val="85000"/>
+                      <a:satMod val="255000"/>
+                    </a:schemeClr>
+                  </a:gs>
+                  <a:gs pos="100000">
+                    <a:schemeClr val="accent4">
+                      <a:shade val="20000"/>
+                      <a:satMod val="245000"/>
+                    </a:schemeClr>
+                  </a:gs>
+                </a:gsLst>
+                <a:lin ang="5400000"/>
+              </a:gradFill>
+              <a:effectLst>
+                <a:outerShdw blurRad="38100" dist="38100" dir="2700000" algn="tl">
+                  <a:srgbClr val="000000">
+                    <a:alpha val="43137"/>
+                  </a:srgbClr>
+                </a:outerShdw>
+                <a:reflection blurRad="12700" stA="28000" endPos="45000" dist="1000" dir="5400000" sy="-100000" algn="bl" rotWithShape="0"/>
+              </a:effectLst>
+            </a:endParaRPr>
+          </a:p>
+        </p:txBody>
+      </p:sp>
+      <p:pic>
+        <p:nvPicPr>
+          <p:cNvPr id="10242" name="Picture 2"/>
+          <p:cNvPicPr>
+            <a:picLocks noChangeAspect="1" noChangeArrowheads="1"/>
+          </p:cNvPicPr>
+          <p:nvPr/>
+        </p:nvPicPr>
+        <p:blipFill>
+          <a:blip r:embed="rId2"/>
+          <a:srcRect/>
+          <a:stretch>
+            <a:fillRect/>
+          </a:stretch>
+        </p:blipFill>
+        <p:spPr bwMode="auto">
+          <a:xfrm>
+            <a:off x="-32" y="2500306"/>
+            <a:ext cx="9144032" cy="3786214"/>
+          </a:xfrm>
+          <a:prstGeom prst="rect">
+            <a:avLst/>
+          </a:prstGeom>
+          <a:noFill/>
+          <a:ln w="9525">
+            <a:noFill/>
+            <a:miter lim="800000"/>
+            <a:headEnd/>
+            <a:tailEnd/>
+          </a:ln>
+          <a:effectLst/>
+        </p:spPr>
+      </p:pic>
+    </p:spTree>
+  </p:cSld>
+  <p:clrMapOvr>
+    <a:masterClrMapping/>
+  </p:clrMapOvr>
+  <p:timing>
+    <p:tnLst>
+      <p:par>
+        <p:cTn id="1" dur="indefinite" restart="never" nodeType="tmRoot"/>
+      </p:par>
+    </p:tnLst>
+  </p:timing>
+</p:sld>
+</file>
+
+<file path=ppt/slides/slide12.xml><?xml version="1.0" encoding="utf-8"?>
+<p:sld xmlns:a="http://schemas.openxmlformats.org/drawingml/2006/main" xmlns:r="http://schemas.openxmlformats.org/officeDocument/2006/relationships" xmlns:p="http://schemas.openxmlformats.org/presentationml/2006/main">
+  <p:cSld>
+    <p:spTree>
+      <p:nvGrpSpPr>
+        <p:cNvPr id="1" name=""/>
+        <p:cNvGrpSpPr/>
+        <p:nvPr/>
+      </p:nvGrpSpPr>
+      <p:grpSpPr>
+        <a:xfrm>
+          <a:off x="0" y="0"/>
+          <a:ext cx="0" cy="0"/>
+          <a:chOff x="0" y="0"/>
+          <a:chExt cx="0" cy="0"/>
+        </a:xfrm>
+      </p:grpSpPr>
+      <p:sp>
+        <p:nvSpPr>
+          <p:cNvPr id="4" name="Retângulo 3"/>
+          <p:cNvSpPr/>
+          <p:nvPr/>
+        </p:nvSpPr>
+        <p:spPr>
+          <a:xfrm>
+            <a:off x="1142976" y="714356"/>
+            <a:ext cx="6676379" cy="923330"/>
+          </a:xfrm>
+          <a:prstGeom prst="rect">
+            <a:avLst/>
+          </a:prstGeom>
+          <a:noFill/>
+        </p:spPr>
+        <p:txBody>
+          <a:bodyPr wrap="none" lIns="91440" tIns="45720" rIns="91440" bIns="45720">
+            <a:spAutoFit/>
+          </a:bodyPr>
+          <a:lstStyle/>
+          <a:p>
+            <a:pPr algn="ctr"/>
+            <a:r>
+              <a:rPr lang="pt-BR" sz="5400" b="1" cap="all" dirty="0" smtClean="0">
+                <a:ln w="9000" cmpd="sng">
+                  <a:solidFill>
+                    <a:schemeClr val="accent4">
+                      <a:shade val="50000"/>
+                      <a:satMod val="120000"/>
+                    </a:schemeClr>
+                  </a:solidFill>
+                  <a:prstDash val="solid"/>
+                </a:ln>
+                <a:gradFill>
+                  <a:gsLst>
+                    <a:gs pos="0">
+                      <a:schemeClr val="accent4">
+                        <a:shade val="20000"/>
+                        <a:satMod val="245000"/>
+                      </a:schemeClr>
+                    </a:gs>
+                    <a:gs pos="43000">
+                      <a:schemeClr val="accent4">
+                        <a:satMod val="255000"/>
+                      </a:schemeClr>
+                    </a:gs>
+                    <a:gs pos="48000">
+                      <a:schemeClr val="accent4">
+                        <a:shade val="85000"/>
+                        <a:satMod val="255000"/>
+                      </a:schemeClr>
+                    </a:gs>
+                    <a:gs pos="100000">
+                      <a:schemeClr val="accent4">
+                        <a:shade val="20000"/>
+                        <a:satMod val="245000"/>
+                      </a:schemeClr>
+                    </a:gs>
+                  </a:gsLst>
+                  <a:lin ang="5400000"/>
+                </a:gradFill>
+                <a:effectLst>
+                  <a:outerShdw blurRad="38100" dist="38100" dir="2700000" algn="tl">
+                    <a:srgbClr val="000000">
+                      <a:alpha val="43137"/>
+                    </a:srgbClr>
+                  </a:outerShdw>
+                  <a:reflection blurRad="12700" stA="28000" endPos="45000" dist="1000" dir="5400000" sy="-100000" algn="bl" rotWithShape="0"/>
+                </a:effectLst>
+              </a:rPr>
+              <a:t>MAX | MIN |COUNT</a:t>
+            </a:r>
+            <a:endParaRPr lang="pt-BR" sz="5400" b="1" cap="all" dirty="0">
+              <a:ln w="9000" cmpd="sng">
+                <a:solidFill>
+                  <a:schemeClr val="accent4">
+                    <a:shade val="50000"/>
+                    <a:satMod val="120000"/>
+                  </a:schemeClr>
+                </a:solidFill>
+                <a:prstDash val="solid"/>
+              </a:ln>
+              <a:gradFill>
+                <a:gsLst>
+                  <a:gs pos="0">
+                    <a:schemeClr val="accent4">
+                      <a:shade val="20000"/>
+                      <a:satMod val="245000"/>
+                    </a:schemeClr>
+                  </a:gs>
+                  <a:gs pos="43000">
+                    <a:schemeClr val="accent4">
+                      <a:satMod val="255000"/>
+                    </a:schemeClr>
+                  </a:gs>
+                  <a:gs pos="48000">
+                    <a:schemeClr val="accent4">
+                      <a:shade val="85000"/>
+                      <a:satMod val="255000"/>
+                    </a:schemeClr>
+                  </a:gs>
+                  <a:gs pos="100000">
+                    <a:schemeClr val="accent4">
+                      <a:shade val="20000"/>
+                      <a:satMod val="245000"/>
+                    </a:schemeClr>
+                  </a:gs>
+                </a:gsLst>
+                <a:lin ang="5400000"/>
+              </a:gradFill>
+              <a:effectLst>
+                <a:outerShdw blurRad="38100" dist="38100" dir="2700000" algn="tl">
+                  <a:srgbClr val="000000">
+                    <a:alpha val="43137"/>
+                  </a:srgbClr>
+                </a:outerShdw>
+                <a:reflection blurRad="12700" stA="28000" endPos="45000" dist="1000" dir="5400000" sy="-100000" algn="bl" rotWithShape="0"/>
+              </a:effectLst>
+            </a:endParaRPr>
+          </a:p>
+        </p:txBody>
+      </p:sp>
+      <p:pic>
+        <p:nvPicPr>
+          <p:cNvPr id="11266" name="Picture 2"/>
+          <p:cNvPicPr>
+            <a:picLocks noChangeAspect="1" noChangeArrowheads="1"/>
+          </p:cNvPicPr>
+          <p:nvPr/>
+        </p:nvPicPr>
+        <p:blipFill>
+          <a:blip r:embed="rId2"/>
+          <a:srcRect/>
+          <a:stretch>
+            <a:fillRect/>
+          </a:stretch>
+        </p:blipFill>
+        <p:spPr bwMode="auto">
+          <a:xfrm>
+            <a:off x="0" y="1771650"/>
+            <a:ext cx="9144000" cy="5086350"/>
+          </a:xfrm>
+          <a:prstGeom prst="rect">
+            <a:avLst/>
+          </a:prstGeom>
+          <a:noFill/>
+          <a:ln w="9525">
+            <a:noFill/>
+            <a:miter lim="800000"/>
+            <a:headEnd/>
+            <a:tailEnd/>
+          </a:ln>
+          <a:effectLst/>
+        </p:spPr>
+      </p:pic>
+    </p:spTree>
+  </p:cSld>
+  <p:clrMapOvr>
+    <a:masterClrMapping/>
+  </p:clrMapOvr>
+  <p:timing>
+    <p:tnLst>
+      <p:par>
+        <p:cTn id="1" dur="indefinite" restart="never" nodeType="tmRoot"/>
+      </p:par>
+    </p:tnLst>
+  </p:timing>
+</p:sld>
+</file>
+
+<file path=ppt/slides/slide13.xml><?xml version="1.0" encoding="utf-8"?>
+<p:sld xmlns:a="http://schemas.openxmlformats.org/drawingml/2006/main" xmlns:r="http://schemas.openxmlformats.org/officeDocument/2006/relationships" xmlns:p="http://schemas.openxmlformats.org/presentationml/2006/main">
+  <p:cSld>
+    <p:spTree>
+      <p:nvGrpSpPr>
+        <p:cNvPr id="1" name=""/>
+        <p:cNvGrpSpPr/>
+        <p:nvPr/>
+      </p:nvGrpSpPr>
+      <p:grpSpPr>
+        <a:xfrm>
+          <a:off x="0" y="0"/>
+          <a:ext cx="0" cy="0"/>
+          <a:chOff x="0" y="0"/>
+          <a:chExt cx="0" cy="0"/>
+        </a:xfrm>
+      </p:grpSpPr>
+      <p:sp>
+        <p:nvSpPr>
+          <p:cNvPr id="4" name="Retângulo 3"/>
+          <p:cNvSpPr/>
+          <p:nvPr/>
+        </p:nvSpPr>
+        <p:spPr>
+          <a:xfrm>
+            <a:off x="1142976" y="571480"/>
+            <a:ext cx="2927469" cy="923330"/>
+          </a:xfrm>
+          <a:prstGeom prst="rect">
+            <a:avLst/>
+          </a:prstGeom>
+          <a:noFill/>
+        </p:spPr>
+        <p:txBody>
+          <a:bodyPr wrap="none" lIns="91440" tIns="45720" rIns="91440" bIns="45720">
+            <a:spAutoFit/>
+          </a:bodyPr>
+          <a:lstStyle/>
+          <a:p>
+            <a:pPr algn="ctr"/>
+            <a:r>
+              <a:rPr lang="pt-BR" sz="5400" b="1" cap="all" dirty="0" err="1" smtClean="0">
+                <a:ln w="9000" cmpd="sng">
+                  <a:solidFill>
+                    <a:schemeClr val="accent4">
+                      <a:shade val="50000"/>
+                      <a:satMod val="120000"/>
+                    </a:schemeClr>
+                  </a:solidFill>
+                  <a:prstDash val="solid"/>
+                </a:ln>
+                <a:gradFill>
+                  <a:gsLst>
+                    <a:gs pos="0">
+                      <a:schemeClr val="accent4">
+                        <a:shade val="20000"/>
+                        <a:satMod val="245000"/>
+                      </a:schemeClr>
+                    </a:gs>
+                    <a:gs pos="43000">
+                      <a:schemeClr val="accent4">
+                        <a:satMod val="255000"/>
+                      </a:schemeClr>
+                    </a:gs>
+                    <a:gs pos="48000">
+                      <a:schemeClr val="accent4">
+                        <a:shade val="85000"/>
+                        <a:satMod val="255000"/>
+                      </a:schemeClr>
+                    </a:gs>
+                    <a:gs pos="100000">
+                      <a:schemeClr val="accent4">
+                        <a:shade val="20000"/>
+                        <a:satMod val="245000"/>
+                      </a:schemeClr>
+                    </a:gs>
+                  </a:gsLst>
+                  <a:lin ang="5400000"/>
+                </a:gradFill>
+                <a:effectLst>
+                  <a:outerShdw blurRad="38100" dist="38100" dir="2700000" algn="tl">
+                    <a:srgbClr val="000000">
+                      <a:alpha val="43137"/>
+                    </a:srgbClr>
+                  </a:outerShdw>
+                  <a:reflection blurRad="12700" stA="28000" endPos="45000" dist="1000" dir="5400000" sy="-100000" algn="bl" rotWithShape="0"/>
+                </a:effectLst>
+              </a:rPr>
+              <a:t>having</a:t>
+            </a:r>
+            <a:endParaRPr lang="pt-BR" sz="5400" b="1" cap="all" dirty="0">
+              <a:ln w="9000" cmpd="sng">
+                <a:solidFill>
+                  <a:schemeClr val="accent4">
+                    <a:shade val="50000"/>
+                    <a:satMod val="120000"/>
+                  </a:schemeClr>
+                </a:solidFill>
+                <a:prstDash val="solid"/>
+              </a:ln>
+              <a:gradFill>
+                <a:gsLst>
+                  <a:gs pos="0">
+                    <a:schemeClr val="accent4">
+                      <a:shade val="20000"/>
+                      <a:satMod val="245000"/>
+                    </a:schemeClr>
+                  </a:gs>
+                  <a:gs pos="43000">
+                    <a:schemeClr val="accent4">
+                      <a:satMod val="255000"/>
+                    </a:schemeClr>
+                  </a:gs>
+                  <a:gs pos="48000">
+                    <a:schemeClr val="accent4">
+                      <a:shade val="85000"/>
+                      <a:satMod val="255000"/>
+                    </a:schemeClr>
+                  </a:gs>
+                  <a:gs pos="100000">
+                    <a:schemeClr val="accent4">
+                      <a:shade val="20000"/>
+                      <a:satMod val="245000"/>
+                    </a:schemeClr>
+                  </a:gs>
+                </a:gsLst>
+                <a:lin ang="5400000"/>
+              </a:gradFill>
+              <a:effectLst>
+                <a:outerShdw blurRad="38100" dist="38100" dir="2700000" algn="tl">
+                  <a:srgbClr val="000000">
+                    <a:alpha val="43137"/>
+                  </a:srgbClr>
+                </a:outerShdw>
+                <a:reflection blurRad="12700" stA="28000" endPos="45000" dist="1000" dir="5400000" sy="-100000" algn="bl" rotWithShape="0"/>
+              </a:effectLst>
+            </a:endParaRPr>
+          </a:p>
+        </p:txBody>
+      </p:sp>
+      <p:pic>
+        <p:nvPicPr>
+          <p:cNvPr id="12290" name="Picture 2"/>
+          <p:cNvPicPr>
+            <a:picLocks noChangeAspect="1" noChangeArrowheads="1"/>
+          </p:cNvPicPr>
+          <p:nvPr/>
+        </p:nvPicPr>
+        <p:blipFill>
+          <a:blip r:embed="rId2"/>
+          <a:srcRect/>
+          <a:stretch>
+            <a:fillRect/>
+          </a:stretch>
+        </p:blipFill>
+        <p:spPr bwMode="auto">
+          <a:xfrm>
+            <a:off x="0" y="1724025"/>
+            <a:ext cx="9144000" cy="5133975"/>
+          </a:xfrm>
+          <a:prstGeom prst="rect">
+            <a:avLst/>
+          </a:prstGeom>
+          <a:noFill/>
+          <a:ln w="9525">
+            <a:noFill/>
+            <a:miter lim="800000"/>
+            <a:headEnd/>
+            <a:tailEnd/>
+          </a:ln>
+          <a:effectLst/>
+        </p:spPr>
+      </p:pic>
+    </p:spTree>
+  </p:cSld>
+  <p:clrMapOvr>
+    <a:masterClrMapping/>
+  </p:clrMapOvr>
+  <p:timing>
+    <p:tnLst>
+      <p:par>
+        <p:cTn id="1" dur="indefinite" restart="never" nodeType="tmRoot"/>
+      </p:par>
+    </p:tnLst>
+  </p:timing>
+</p:sld>
+</file>
+
+<file path=ppt/slides/slide14.xml><?xml version="1.0" encoding="utf-8"?>
+<p:sld xmlns:a="http://schemas.openxmlformats.org/drawingml/2006/main" xmlns:r="http://schemas.openxmlformats.org/officeDocument/2006/relationships" xmlns:p="http://schemas.openxmlformats.org/presentationml/2006/main">
+  <p:cSld>
+    <p:spTree>
+      <p:nvGrpSpPr>
+        <p:cNvPr id="1" name=""/>
+        <p:cNvGrpSpPr/>
+        <p:nvPr/>
+      </p:nvGrpSpPr>
+      <p:grpSpPr>
+        <a:xfrm>
+          <a:off x="0" y="0"/>
+          <a:ext cx="0" cy="0"/>
+          <a:chOff x="0" y="0"/>
+          <a:chExt cx="0" cy="0"/>
+        </a:xfrm>
+      </p:grpSpPr>
+      <p:sp>
+        <p:nvSpPr>
+          <p:cNvPr id="4" name="Retângulo 3"/>
+          <p:cNvSpPr/>
+          <p:nvPr/>
+        </p:nvSpPr>
+        <p:spPr>
+          <a:xfrm>
+            <a:off x="1285852" y="500042"/>
+            <a:ext cx="2052165" cy="923330"/>
+          </a:xfrm>
+          <a:prstGeom prst="rect">
+            <a:avLst/>
+          </a:prstGeom>
+          <a:noFill/>
+        </p:spPr>
+        <p:txBody>
+          <a:bodyPr wrap="none" lIns="91440" tIns="45720" rIns="91440" bIns="45720">
+            <a:spAutoFit/>
+          </a:bodyPr>
+          <a:lstStyle/>
+          <a:p>
+            <a:pPr algn="ctr"/>
+            <a:r>
+              <a:rPr lang="pt-BR" sz="5400" b="1" cap="all" dirty="0" smtClean="0">
+                <a:ln w="9000" cmpd="sng">
+                  <a:solidFill>
+                    <a:schemeClr val="accent4">
+                      <a:shade val="50000"/>
+                      <a:satMod val="120000"/>
+                    </a:schemeClr>
+                  </a:solidFill>
+                  <a:prstDash val="solid"/>
+                </a:ln>
+                <a:gradFill>
+                  <a:gsLst>
+                    <a:gs pos="0">
+                      <a:schemeClr val="accent4">
+                        <a:shade val="20000"/>
+                        <a:satMod val="245000"/>
+                      </a:schemeClr>
+                    </a:gs>
+                    <a:gs pos="43000">
+                      <a:schemeClr val="accent4">
+                        <a:satMod val="255000"/>
+                      </a:schemeClr>
+                    </a:gs>
+                    <a:gs pos="48000">
+                      <a:schemeClr val="accent4">
+                        <a:shade val="85000"/>
+                        <a:satMod val="255000"/>
+                      </a:schemeClr>
+                    </a:gs>
+                    <a:gs pos="100000">
+                      <a:schemeClr val="accent4">
+                        <a:shade val="20000"/>
+                        <a:satMod val="245000"/>
+                      </a:schemeClr>
+                    </a:gs>
+                  </a:gsLst>
+                  <a:lin ang="5400000"/>
+                </a:gradFill>
+                <a:effectLst>
+                  <a:outerShdw blurRad="38100" dist="38100" dir="2700000" algn="tl">
+                    <a:srgbClr val="000000">
+                      <a:alpha val="43137"/>
+                    </a:srgbClr>
+                  </a:outerShdw>
+                  <a:reflection blurRad="12700" stA="28000" endPos="45000" dist="1000" dir="5400000" sy="-100000" algn="bl" rotWithShape="0"/>
+                </a:effectLst>
+              </a:rPr>
+              <a:t>CASE </a:t>
+            </a:r>
+            <a:endParaRPr lang="pt-BR" sz="5400" b="1" cap="all" dirty="0">
+              <a:ln w="9000" cmpd="sng">
+                <a:solidFill>
+                  <a:schemeClr val="accent4">
+                    <a:shade val="50000"/>
+                    <a:satMod val="120000"/>
+                  </a:schemeClr>
+                </a:solidFill>
+                <a:prstDash val="solid"/>
+              </a:ln>
+              <a:gradFill>
+                <a:gsLst>
+                  <a:gs pos="0">
+                    <a:schemeClr val="accent4">
+                      <a:shade val="20000"/>
+                      <a:satMod val="245000"/>
+                    </a:schemeClr>
+                  </a:gs>
+                  <a:gs pos="43000">
+                    <a:schemeClr val="accent4">
+                      <a:satMod val="255000"/>
+                    </a:schemeClr>
+                  </a:gs>
+                  <a:gs pos="48000">
+                    <a:schemeClr val="accent4">
+                      <a:shade val="85000"/>
+                      <a:satMod val="255000"/>
+                    </a:schemeClr>
+                  </a:gs>
+                  <a:gs pos="100000">
+                    <a:schemeClr val="accent4">
+                      <a:shade val="20000"/>
+                      <a:satMod val="245000"/>
+                    </a:schemeClr>
+                  </a:gs>
+                </a:gsLst>
+                <a:lin ang="5400000"/>
+              </a:gradFill>
+              <a:effectLst>
+                <a:outerShdw blurRad="38100" dist="38100" dir="2700000" algn="tl">
+                  <a:srgbClr val="000000">
+                    <a:alpha val="43137"/>
+                  </a:srgbClr>
+                </a:outerShdw>
+                <a:reflection blurRad="12700" stA="28000" endPos="45000" dist="1000" dir="5400000" sy="-100000" algn="bl" rotWithShape="0"/>
+              </a:effectLst>
+            </a:endParaRPr>
+          </a:p>
+        </p:txBody>
+      </p:sp>
+      <p:pic>
+        <p:nvPicPr>
+          <p:cNvPr id="13314" name="Picture 2"/>
+          <p:cNvPicPr>
+            <a:picLocks noChangeAspect="1" noChangeArrowheads="1"/>
+          </p:cNvPicPr>
+          <p:nvPr/>
+        </p:nvPicPr>
+        <p:blipFill>
+          <a:blip r:embed="rId2"/>
+          <a:srcRect/>
+          <a:stretch>
+            <a:fillRect/>
+          </a:stretch>
+        </p:blipFill>
+        <p:spPr bwMode="auto">
+          <a:xfrm>
+            <a:off x="0" y="1381125"/>
+            <a:ext cx="9144000" cy="5476875"/>
+          </a:xfrm>
+          <a:prstGeom prst="rect">
+            <a:avLst/>
+          </a:prstGeom>
+          <a:noFill/>
+          <a:ln w="9525">
+            <a:noFill/>
+            <a:miter lim="800000"/>
+            <a:headEnd/>
+            <a:tailEnd/>
+          </a:ln>
+          <a:effectLst/>
+        </p:spPr>
+      </p:pic>
+    </p:spTree>
+  </p:cSld>
+  <p:clrMapOvr>
+    <a:masterClrMapping/>
+  </p:clrMapOvr>
+  <p:timing>
+    <p:tnLst>
+      <p:par>
+        <p:cTn id="1" dur="indefinite" restart="never" nodeType="tmRoot"/>
+      </p:par>
+    </p:tnLst>
+  </p:timing>
+</p:sld>
+</file>
+
+<file path=ppt/slides/slide15.xml><?xml version="1.0" encoding="utf-8"?>
+<p:sld xmlns:a="http://schemas.openxmlformats.org/drawingml/2006/main" xmlns:r="http://schemas.openxmlformats.org/officeDocument/2006/relationships" xmlns:p="http://schemas.openxmlformats.org/presentationml/2006/main">
+  <p:cSld>
+    <p:spTree>
+      <p:nvGrpSpPr>
+        <p:cNvPr id="1" name=""/>
+        <p:cNvGrpSpPr/>
+        <p:nvPr/>
+      </p:nvGrpSpPr>
+      <p:grpSpPr>
+        <a:xfrm>
+          <a:off x="0" y="0"/>
+          <a:ext cx="0" cy="0"/>
+          <a:chOff x="0" y="0"/>
+          <a:chExt cx="0" cy="0"/>
+        </a:xfrm>
+      </p:grpSpPr>
+      <p:sp>
+        <p:nvSpPr>
+          <p:cNvPr id="4" name="Retângulo 3"/>
+          <p:cNvSpPr/>
+          <p:nvPr/>
+        </p:nvSpPr>
+        <p:spPr>
+          <a:xfrm>
+            <a:off x="1142976" y="571480"/>
+            <a:ext cx="5339154" cy="923330"/>
+          </a:xfrm>
+          <a:prstGeom prst="rect">
+            <a:avLst/>
+          </a:prstGeom>
+          <a:noFill/>
+        </p:spPr>
+        <p:txBody>
+          <a:bodyPr wrap="none" lIns="91440" tIns="45720" rIns="91440" bIns="45720">
+            <a:spAutoFit/>
+          </a:bodyPr>
+          <a:lstStyle/>
+          <a:p>
+            <a:pPr algn="ctr"/>
+            <a:r>
+              <a:rPr lang="pt-BR" sz="5400" b="1" cap="all" dirty="0" smtClean="0">
+                <a:ln w="9000" cmpd="sng">
+                  <a:solidFill>
+                    <a:schemeClr val="accent4">
+                      <a:shade val="50000"/>
+                      <a:satMod val="120000"/>
+                    </a:schemeClr>
+                  </a:solidFill>
+                  <a:prstDash val="solid"/>
+                </a:ln>
+                <a:gradFill>
+                  <a:gsLst>
+                    <a:gs pos="0">
+                      <a:schemeClr val="accent4">
+                        <a:shade val="20000"/>
+                        <a:satMod val="245000"/>
+                      </a:schemeClr>
+                    </a:gs>
+                    <a:gs pos="43000">
+                      <a:schemeClr val="accent4">
+                        <a:satMod val="255000"/>
+                      </a:schemeClr>
+                    </a:gs>
+                    <a:gs pos="48000">
+                      <a:schemeClr val="accent4">
+                        <a:shade val="85000"/>
+                        <a:satMod val="255000"/>
+                      </a:schemeClr>
+                    </a:gs>
+                    <a:gs pos="100000">
+                      <a:schemeClr val="accent4">
+                        <a:shade val="20000"/>
+                        <a:satMod val="245000"/>
+                      </a:schemeClr>
+                    </a:gs>
+                  </a:gsLst>
+                  <a:lin ang="5400000"/>
+                </a:gradFill>
+                <a:effectLst>
+                  <a:outerShdw blurRad="38100" dist="38100" dir="2700000" algn="tl">
+                    <a:srgbClr val="000000">
+                      <a:alpha val="43137"/>
+                    </a:srgbClr>
+                  </a:outerShdw>
+                  <a:reflection blurRad="12700" stA="28000" endPos="45000" dist="1000" dir="5400000" sy="-100000" algn="bl" rotWithShape="0"/>
+                </a:effectLst>
+              </a:rPr>
+              <a:t>Sub Consulta</a:t>
+            </a:r>
+            <a:endParaRPr lang="pt-BR" sz="5400" b="1" cap="all" dirty="0">
+              <a:ln w="9000" cmpd="sng">
+                <a:solidFill>
+                  <a:schemeClr val="accent4">
+                    <a:shade val="50000"/>
+                    <a:satMod val="120000"/>
+                  </a:schemeClr>
+                </a:solidFill>
+                <a:prstDash val="solid"/>
+              </a:ln>
+              <a:gradFill>
+                <a:gsLst>
+                  <a:gs pos="0">
+                    <a:schemeClr val="accent4">
+                      <a:shade val="20000"/>
+                      <a:satMod val="245000"/>
+                    </a:schemeClr>
+                  </a:gs>
+                  <a:gs pos="43000">
+                    <a:schemeClr val="accent4">
+                      <a:satMod val="255000"/>
+                    </a:schemeClr>
+                  </a:gs>
+                  <a:gs pos="48000">
+                    <a:schemeClr val="accent4">
+                      <a:shade val="85000"/>
+                      <a:satMod val="255000"/>
+                    </a:schemeClr>
+                  </a:gs>
+                  <a:gs pos="100000">
+                    <a:schemeClr val="accent4">
+                      <a:shade val="20000"/>
+                      <a:satMod val="245000"/>
+                    </a:schemeClr>
+                  </a:gs>
+                </a:gsLst>
+                <a:lin ang="5400000"/>
+              </a:gradFill>
+              <a:effectLst>
+                <a:outerShdw blurRad="38100" dist="38100" dir="2700000" algn="tl">
+                  <a:srgbClr val="000000">
+                    <a:alpha val="43137"/>
+                  </a:srgbClr>
+                </a:outerShdw>
+                <a:reflection blurRad="12700" stA="28000" endPos="45000" dist="1000" dir="5400000" sy="-100000" algn="bl" rotWithShape="0"/>
+              </a:effectLst>
+            </a:endParaRPr>
+          </a:p>
+        </p:txBody>
+      </p:sp>
+      <p:pic>
+        <p:nvPicPr>
+          <p:cNvPr id="1026" name="Picture 2"/>
+          <p:cNvPicPr>
+            <a:picLocks noChangeAspect="1" noChangeArrowheads="1"/>
+          </p:cNvPicPr>
+          <p:nvPr/>
+        </p:nvPicPr>
+        <p:blipFill>
+          <a:blip r:embed="rId2"/>
+          <a:srcRect/>
+          <a:stretch>
+            <a:fillRect/>
+          </a:stretch>
+        </p:blipFill>
+        <p:spPr bwMode="auto">
+          <a:xfrm>
+            <a:off x="0" y="1928803"/>
+            <a:ext cx="9144000" cy="4929198"/>
+          </a:xfrm>
+          <a:prstGeom prst="rect">
+            <a:avLst/>
+          </a:prstGeom>
+          <a:noFill/>
+          <a:ln w="9525">
+            <a:noFill/>
+            <a:miter lim="800000"/>
+            <a:headEnd/>
+            <a:tailEnd/>
+          </a:ln>
+          <a:effectLst/>
+        </p:spPr>
+      </p:pic>
+    </p:spTree>
+  </p:cSld>
+  <p:clrMapOvr>
+    <a:masterClrMapping/>
+  </p:clrMapOvr>
+  <p:timing>
+    <p:tnLst>
+      <p:par>
+        <p:cTn id="1" dur="indefinite" restart="never" nodeType="tmRoot"/>
+      </p:par>
+    </p:tnLst>
+  </p:timing>
+</p:sld>
+</file>
+
+<file path=ppt/slides/slide16.xml><?xml version="1.0" encoding="utf-8"?>
+<p:sld xmlns:a="http://schemas.openxmlformats.org/drawingml/2006/main" xmlns:r="http://schemas.openxmlformats.org/officeDocument/2006/relationships" xmlns:p="http://schemas.openxmlformats.org/presentationml/2006/main">
+  <p:cSld>
+    <p:spTree>
+      <p:nvGrpSpPr>
+        <p:cNvPr id="1" name=""/>
+        <p:cNvGrpSpPr/>
+        <p:nvPr/>
+      </p:nvGrpSpPr>
+      <p:grpSpPr>
+        <a:xfrm>
+          <a:off x="0" y="0"/>
+          <a:ext cx="0" cy="0"/>
+          <a:chOff x="0" y="0"/>
+          <a:chExt cx="0" cy="0"/>
+        </a:xfrm>
+      </p:grpSpPr>
+      <p:pic>
+        <p:nvPicPr>
+          <p:cNvPr id="2" name="Imagem 1" descr="CREATE_VIEW.JPG"/>
+          <p:cNvPicPr>
+            <a:picLocks noChangeAspect="1"/>
+          </p:cNvPicPr>
+          <p:nvPr/>
+        </p:nvPicPr>
+        <p:blipFill>
+          <a:blip r:embed="rId2"/>
+          <a:stretch>
+            <a:fillRect/>
+          </a:stretch>
+        </p:blipFill>
+        <p:spPr>
+          <a:xfrm>
+            <a:off x="0" y="1857364"/>
+            <a:ext cx="8724900" cy="4429125"/>
+          </a:xfrm>
+          <a:prstGeom prst="rect">
+            <a:avLst/>
+          </a:prstGeom>
+        </p:spPr>
+      </p:pic>
+      <p:sp>
+        <p:nvSpPr>
+          <p:cNvPr id="3" name="Retângulo 2"/>
+          <p:cNvSpPr/>
+          <p:nvPr/>
+        </p:nvSpPr>
+        <p:spPr>
+          <a:xfrm>
+            <a:off x="1142976" y="571480"/>
+            <a:ext cx="1996637" cy="923330"/>
+          </a:xfrm>
+          <a:prstGeom prst="rect">
+            <a:avLst/>
+          </a:prstGeom>
+          <a:noFill/>
+        </p:spPr>
+        <p:txBody>
+          <a:bodyPr wrap="none" lIns="91440" tIns="45720" rIns="91440" bIns="45720">
+            <a:spAutoFit/>
+          </a:bodyPr>
+          <a:lstStyle/>
+          <a:p>
+            <a:pPr algn="ctr"/>
+            <a:r>
+              <a:rPr lang="pt-BR" sz="5400" b="1" cap="all" dirty="0" smtClean="0">
+                <a:ln w="9000" cmpd="sng">
+                  <a:solidFill>
+                    <a:schemeClr val="accent4">
+                      <a:shade val="50000"/>
+                      <a:satMod val="120000"/>
+                    </a:schemeClr>
+                  </a:solidFill>
+                  <a:prstDash val="solid"/>
+                </a:ln>
+                <a:gradFill>
+                  <a:gsLst>
+                    <a:gs pos="0">
+                      <a:schemeClr val="accent4">
+                        <a:shade val="20000"/>
+                        <a:satMod val="245000"/>
+                      </a:schemeClr>
+                    </a:gs>
+                    <a:gs pos="43000">
+                      <a:schemeClr val="accent4">
+                        <a:satMod val="255000"/>
+                      </a:schemeClr>
+                    </a:gs>
+                    <a:gs pos="48000">
+                      <a:schemeClr val="accent4">
+                        <a:shade val="85000"/>
+                        <a:satMod val="255000"/>
+                      </a:schemeClr>
+                    </a:gs>
+                    <a:gs pos="100000">
+                      <a:schemeClr val="accent4">
+                        <a:shade val="20000"/>
+                        <a:satMod val="245000"/>
+                      </a:schemeClr>
+                    </a:gs>
+                  </a:gsLst>
+                  <a:lin ang="5400000"/>
+                </a:gradFill>
+                <a:effectLst>
+                  <a:outerShdw blurRad="38100" dist="38100" dir="2700000" algn="tl">
+                    <a:srgbClr val="000000">
+                      <a:alpha val="43137"/>
+                    </a:srgbClr>
+                  </a:outerShdw>
+                  <a:reflection blurRad="12700" stA="28000" endPos="45000" dist="1000" dir="5400000" sy="-100000" algn="bl" rotWithShape="0"/>
+                </a:effectLst>
+              </a:rPr>
+              <a:t>VIEW</a:t>
+            </a:r>
+            <a:endParaRPr lang="pt-BR" sz="5400" b="1" cap="all" dirty="0">
+              <a:ln w="9000" cmpd="sng">
+                <a:solidFill>
+                  <a:schemeClr val="accent4">
+                    <a:shade val="50000"/>
+                    <a:satMod val="120000"/>
+                  </a:schemeClr>
+                </a:solidFill>
+                <a:prstDash val="solid"/>
+              </a:ln>
+              <a:gradFill>
+                <a:gsLst>
+                  <a:gs pos="0">
+                    <a:schemeClr val="accent4">
+                      <a:shade val="20000"/>
+                      <a:satMod val="245000"/>
+                    </a:schemeClr>
+                  </a:gs>
+                  <a:gs pos="43000">
+                    <a:schemeClr val="accent4">
+                      <a:satMod val="255000"/>
+                    </a:schemeClr>
+                  </a:gs>
+                  <a:gs pos="48000">
+                    <a:schemeClr val="accent4">
+                      <a:shade val="85000"/>
+                      <a:satMod val="255000"/>
+                    </a:schemeClr>
+                  </a:gs>
+                  <a:gs pos="100000">
+                    <a:schemeClr val="accent4">
+                      <a:shade val="20000"/>
+                      <a:satMod val="245000"/>
+                    </a:schemeClr>
+                  </a:gs>
+                </a:gsLst>
+                <a:lin ang="5400000"/>
+              </a:gradFill>
+              <a:effectLst>
+                <a:outerShdw blurRad="38100" dist="38100" dir="2700000" algn="tl">
+                  <a:srgbClr val="000000">
+                    <a:alpha val="43137"/>
+                  </a:srgbClr>
+                </a:outerShdw>
+                <a:reflection blurRad="12700" stA="28000" endPos="45000" dist="1000" dir="5400000" sy="-100000" algn="bl" rotWithShape="0"/>
+              </a:effectLst>
+            </a:endParaRPr>
+          </a:p>
+        </p:txBody>
+      </p:sp>
+    </p:spTree>
+  </p:cSld>
+  <p:clrMapOvr>
+    <a:masterClrMapping/>
+  </p:clrMapOvr>
+</p:sld>
+</file>
+
+<file path=ppt/slides/slide17.xml><?xml version="1.0" encoding="utf-8"?>
+<p:sld xmlns:a="http://schemas.openxmlformats.org/drawingml/2006/main" xmlns:r="http://schemas.openxmlformats.org/officeDocument/2006/relationships" xmlns:p="http://schemas.openxmlformats.org/presentationml/2006/main">
+  <p:cSld>
+    <p:spTree>
+      <p:nvGrpSpPr>
+        <p:cNvPr id="1" name=""/>
+        <p:cNvGrpSpPr/>
+        <p:nvPr/>
+      </p:nvGrpSpPr>
+      <p:grpSpPr>
+        <a:xfrm>
+          <a:off x="0" y="0"/>
+          <a:ext cx="0" cy="0"/>
+          <a:chOff x="0" y="0"/>
+          <a:chExt cx="0" cy="0"/>
+        </a:xfrm>
+      </p:grpSpPr>
+      <p:sp>
+        <p:nvSpPr>
+          <p:cNvPr id="4" name="Retângulo 3"/>
+          <p:cNvSpPr/>
+          <p:nvPr/>
+        </p:nvSpPr>
+        <p:spPr>
+          <a:xfrm>
+            <a:off x="1142976" y="571480"/>
+            <a:ext cx="3418308" cy="923330"/>
+          </a:xfrm>
+          <a:prstGeom prst="rect">
+            <a:avLst/>
+          </a:prstGeom>
+          <a:noFill/>
+        </p:spPr>
+        <p:txBody>
+          <a:bodyPr wrap="none" lIns="91440" tIns="45720" rIns="91440" bIns="45720">
+            <a:spAutoFit/>
+          </a:bodyPr>
+          <a:lstStyle/>
+          <a:p>
+            <a:pPr algn="ctr"/>
+            <a:r>
+              <a:rPr lang="pt-BR" sz="5400" b="1" cap="all" dirty="0" smtClean="0">
+                <a:ln w="9000" cmpd="sng">
+                  <a:solidFill>
+                    <a:schemeClr val="accent4">
+                      <a:shade val="50000"/>
+                      <a:satMod val="120000"/>
+                    </a:schemeClr>
+                  </a:solidFill>
+                  <a:prstDash val="solid"/>
+                </a:ln>
+                <a:gradFill>
+                  <a:gsLst>
+                    <a:gs pos="0">
+                      <a:schemeClr val="accent4">
+                        <a:shade val="20000"/>
+                        <a:satMod val="245000"/>
+                      </a:schemeClr>
+                    </a:gs>
+                    <a:gs pos="43000">
+                      <a:schemeClr val="accent4">
+                        <a:satMod val="255000"/>
+                      </a:schemeClr>
+                    </a:gs>
+                    <a:gs pos="48000">
+                      <a:schemeClr val="accent4">
+                        <a:shade val="85000"/>
+                        <a:satMod val="255000"/>
+                      </a:schemeClr>
+                    </a:gs>
+                    <a:gs pos="100000">
+                      <a:schemeClr val="accent4">
+                        <a:shade val="20000"/>
+                        <a:satMod val="245000"/>
+                      </a:schemeClr>
+                    </a:gs>
+                  </a:gsLst>
+                  <a:lin ang="5400000"/>
+                </a:gradFill>
+                <a:effectLst>
+                  <a:outerShdw blurRad="38100" dist="38100" dir="2700000" algn="tl">
+                    <a:srgbClr val="000000">
+                      <a:alpha val="43137"/>
+                    </a:srgbClr>
+                  </a:outerShdw>
+                  <a:reflection blurRad="12700" stA="28000" endPos="45000" dist="1000" dir="5400000" sy="-100000" algn="bl" rotWithShape="0"/>
+                </a:effectLst>
+              </a:rPr>
+              <a:t>FUNÇÕES</a:t>
+            </a:r>
+            <a:endParaRPr lang="pt-BR" sz="5400" b="1" cap="all" dirty="0">
+              <a:ln w="9000" cmpd="sng">
+                <a:solidFill>
+                  <a:schemeClr val="accent4">
+                    <a:shade val="50000"/>
+                    <a:satMod val="120000"/>
+                  </a:schemeClr>
+                </a:solidFill>
+                <a:prstDash val="solid"/>
+              </a:ln>
+              <a:gradFill>
+                <a:gsLst>
+                  <a:gs pos="0">
+                    <a:schemeClr val="accent4">
+                      <a:shade val="20000"/>
+                      <a:satMod val="245000"/>
+                    </a:schemeClr>
+                  </a:gs>
+                  <a:gs pos="43000">
+                    <a:schemeClr val="accent4">
+                      <a:satMod val="255000"/>
+                    </a:schemeClr>
+                  </a:gs>
+                  <a:gs pos="48000">
+                    <a:schemeClr val="accent4">
+                      <a:shade val="85000"/>
+                      <a:satMod val="255000"/>
+                    </a:schemeClr>
+                  </a:gs>
+                  <a:gs pos="100000">
+                    <a:schemeClr val="accent4">
+                      <a:shade val="20000"/>
+                      <a:satMod val="245000"/>
+                    </a:schemeClr>
+                  </a:gs>
+                </a:gsLst>
+                <a:lin ang="5400000"/>
+              </a:gradFill>
+              <a:effectLst>
+                <a:outerShdw blurRad="38100" dist="38100" dir="2700000" algn="tl">
+                  <a:srgbClr val="000000">
+                    <a:alpha val="43137"/>
+                  </a:srgbClr>
+                </a:outerShdw>
+                <a:reflection blurRad="12700" stA="28000" endPos="45000" dist="1000" dir="5400000" sy="-100000" algn="bl" rotWithShape="0"/>
+              </a:effectLst>
+            </a:endParaRPr>
+          </a:p>
+        </p:txBody>
+      </p:sp>
+      <p:pic>
+        <p:nvPicPr>
+          <p:cNvPr id="2051" name="Picture 3"/>
+          <p:cNvPicPr>
+            <a:picLocks noChangeAspect="1" noChangeArrowheads="1"/>
+          </p:cNvPicPr>
+          <p:nvPr/>
+        </p:nvPicPr>
+        <p:blipFill>
+          <a:blip r:embed="rId2"/>
+          <a:srcRect/>
+          <a:stretch>
+            <a:fillRect/>
+          </a:stretch>
+        </p:blipFill>
+        <p:spPr bwMode="auto">
+          <a:xfrm>
+            <a:off x="0" y="1643050"/>
+            <a:ext cx="9144000" cy="5214950"/>
+          </a:xfrm>
+          <a:prstGeom prst="rect">
+            <a:avLst/>
+          </a:prstGeom>
+          <a:noFill/>
+          <a:ln w="9525">
+            <a:noFill/>
+            <a:miter lim="800000"/>
+            <a:headEnd/>
+            <a:tailEnd/>
+          </a:ln>
+          <a:effectLst/>
+        </p:spPr>
+      </p:pic>
+    </p:spTree>
+  </p:cSld>
+  <p:clrMapOvr>
+    <a:masterClrMapping/>
+  </p:clrMapOvr>
+  <p:timing>
+    <p:tnLst>
+      <p:par>
+        <p:cTn id="1" dur="indefinite" restart="never" nodeType="tmRoot"/>
+      </p:par>
+    </p:tnLst>
+  </p:timing>
+</p:sld>
+</file>
+
+<file path=ppt/slides/slide18.xml><?xml version="1.0" encoding="utf-8"?>
+<p:sld xmlns:a="http://schemas.openxmlformats.org/drawingml/2006/main" xmlns:r="http://schemas.openxmlformats.org/officeDocument/2006/relationships" xmlns:p="http://schemas.openxmlformats.org/presentationml/2006/main">
+  <p:cSld>
+    <p:spTree>
+      <p:nvGrpSpPr>
+        <p:cNvPr id="1" name=""/>
+        <p:cNvGrpSpPr/>
+        <p:nvPr/>
+      </p:nvGrpSpPr>
+      <p:grpSpPr>
+        <a:xfrm>
+          <a:off x="0" y="0"/>
+          <a:ext cx="0" cy="0"/>
+          <a:chOff x="0" y="0"/>
+          <a:chExt cx="0" cy="0"/>
+        </a:xfrm>
+      </p:grpSpPr>
+      <p:pic>
+        <p:nvPicPr>
+          <p:cNvPr id="3074" name="Picture 2"/>
+          <p:cNvPicPr>
+            <a:picLocks noChangeAspect="1" noChangeArrowheads="1"/>
+          </p:cNvPicPr>
+          <p:nvPr/>
+        </p:nvPicPr>
+        <p:blipFill>
+          <a:blip r:embed="rId2"/>
+          <a:srcRect/>
+          <a:stretch>
+            <a:fillRect/>
+          </a:stretch>
+        </p:blipFill>
+        <p:spPr bwMode="auto">
+          <a:xfrm>
+            <a:off x="0" y="1704975"/>
+            <a:ext cx="9144000" cy="5153025"/>
+          </a:xfrm>
+          <a:prstGeom prst="rect">
+            <a:avLst/>
+          </a:prstGeom>
+          <a:noFill/>
+          <a:ln w="9525">
+            <a:noFill/>
+            <a:miter lim="800000"/>
+            <a:headEnd/>
+            <a:tailEnd/>
+          </a:ln>
+          <a:effectLst/>
+        </p:spPr>
+      </p:pic>
+      <p:sp>
+        <p:nvSpPr>
+          <p:cNvPr id="3" name="Retângulo 2"/>
+          <p:cNvSpPr/>
+          <p:nvPr/>
+        </p:nvSpPr>
+        <p:spPr>
+          <a:xfrm>
+            <a:off x="1142976" y="571480"/>
+            <a:ext cx="3418308" cy="923330"/>
+          </a:xfrm>
+          <a:prstGeom prst="rect">
+            <a:avLst/>
+          </a:prstGeom>
+          <a:noFill/>
+        </p:spPr>
+        <p:txBody>
+          <a:bodyPr wrap="none" lIns="91440" tIns="45720" rIns="91440" bIns="45720">
+            <a:spAutoFit/>
+          </a:bodyPr>
+          <a:lstStyle/>
+          <a:p>
+            <a:pPr algn="ctr"/>
+            <a:r>
+              <a:rPr lang="pt-BR" sz="5400" b="1" cap="all" dirty="0" smtClean="0">
+                <a:ln w="9000" cmpd="sng">
+                  <a:solidFill>
+                    <a:schemeClr val="accent4">
+                      <a:shade val="50000"/>
+                      <a:satMod val="120000"/>
+                    </a:schemeClr>
+                  </a:solidFill>
+                  <a:prstDash val="solid"/>
+                </a:ln>
+                <a:gradFill>
+                  <a:gsLst>
+                    <a:gs pos="0">
+                      <a:schemeClr val="accent4">
+                        <a:shade val="20000"/>
+                        <a:satMod val="245000"/>
+                      </a:schemeClr>
+                    </a:gs>
+                    <a:gs pos="43000">
+                      <a:schemeClr val="accent4">
+                        <a:satMod val="255000"/>
+                      </a:schemeClr>
+                    </a:gs>
+                    <a:gs pos="48000">
+                      <a:schemeClr val="accent4">
+                        <a:shade val="85000"/>
+                        <a:satMod val="255000"/>
+                      </a:schemeClr>
+                    </a:gs>
+                    <a:gs pos="100000">
+                      <a:schemeClr val="accent4">
+                        <a:shade val="20000"/>
+                        <a:satMod val="245000"/>
+                      </a:schemeClr>
+                    </a:gs>
+                  </a:gsLst>
+                  <a:lin ang="5400000"/>
+                </a:gradFill>
+                <a:effectLst>
+                  <a:outerShdw blurRad="38100" dist="38100" dir="2700000" algn="tl">
+                    <a:srgbClr val="000000">
+                      <a:alpha val="43137"/>
+                    </a:srgbClr>
+                  </a:outerShdw>
+                  <a:reflection blurRad="12700" stA="28000" endPos="45000" dist="1000" dir="5400000" sy="-100000" algn="bl" rotWithShape="0"/>
+                </a:effectLst>
+              </a:rPr>
+              <a:t>FUNÇÕES</a:t>
+            </a:r>
+            <a:endParaRPr lang="pt-BR" sz="5400" b="1" cap="all" dirty="0">
+              <a:ln w="9000" cmpd="sng">
+                <a:solidFill>
+                  <a:schemeClr val="accent4">
+                    <a:shade val="50000"/>
+                    <a:satMod val="120000"/>
+                  </a:schemeClr>
+                </a:solidFill>
+                <a:prstDash val="solid"/>
+              </a:ln>
+              <a:gradFill>
+                <a:gsLst>
+                  <a:gs pos="0">
+                    <a:schemeClr val="accent4">
+                      <a:shade val="20000"/>
+                      <a:satMod val="245000"/>
+                    </a:schemeClr>
+                  </a:gs>
+                  <a:gs pos="43000">
+                    <a:schemeClr val="accent4">
+                      <a:satMod val="255000"/>
+                    </a:schemeClr>
+                  </a:gs>
+                  <a:gs pos="48000">
+                    <a:schemeClr val="accent4">
+                      <a:shade val="85000"/>
+                      <a:satMod val="255000"/>
+                    </a:schemeClr>
+                  </a:gs>
+                  <a:gs pos="100000">
+                    <a:schemeClr val="accent4">
+                      <a:shade val="20000"/>
+                      <a:satMod val="245000"/>
+                    </a:schemeClr>
+                  </a:gs>
+                </a:gsLst>
+                <a:lin ang="5400000"/>
+              </a:gradFill>
+              <a:effectLst>
+                <a:outerShdw blurRad="38100" dist="38100" dir="2700000" algn="tl">
+                  <a:srgbClr val="000000">
+                    <a:alpha val="43137"/>
+                  </a:srgbClr>
+                </a:outerShdw>
+                <a:reflection blurRad="12700" stA="28000" endPos="45000" dist="1000" dir="5400000" sy="-100000" algn="bl" rotWithShape="0"/>
+              </a:effectLst>
+            </a:endParaRPr>
+          </a:p>
+        </p:txBody>
+      </p:sp>
+    </p:spTree>
+  </p:cSld>
+  <p:clrMapOvr>
+    <a:masterClrMapping/>
+  </p:clrMapOvr>
+</p:sld>
+</file>
+
+<file path=ppt/slides/slide19.xml><?xml version="1.0" encoding="utf-8"?>
+<p:sld xmlns:a="http://schemas.openxmlformats.org/drawingml/2006/main" xmlns:r="http://schemas.openxmlformats.org/officeDocument/2006/relationships" xmlns:p="http://schemas.openxmlformats.org/presentationml/2006/main">
+  <p:cSld>
+    <p:spTree>
+      <p:nvGrpSpPr>
+        <p:cNvPr id="1" name=""/>
+        <p:cNvGrpSpPr/>
+        <p:nvPr/>
+      </p:nvGrpSpPr>
+      <p:grpSpPr>
+        <a:xfrm>
+          <a:off x="0" y="0"/>
+          <a:ext cx="0" cy="0"/>
+          <a:chOff x="0" y="0"/>
+          <a:chExt cx="0" cy="0"/>
+        </a:xfrm>
+      </p:grpSpPr>
+      <p:sp>
+        <p:nvSpPr>
+          <p:cNvPr id="2" name="Retângulo 1"/>
+          <p:cNvSpPr/>
+          <p:nvPr/>
+        </p:nvSpPr>
+        <p:spPr>
+          <a:xfrm>
+            <a:off x="1142976" y="571480"/>
+            <a:ext cx="3418308" cy="923330"/>
+          </a:xfrm>
+          <a:prstGeom prst="rect">
+            <a:avLst/>
+          </a:prstGeom>
+          <a:noFill/>
+        </p:spPr>
+        <p:txBody>
+          <a:bodyPr wrap="none" lIns="91440" tIns="45720" rIns="91440" bIns="45720">
+            <a:spAutoFit/>
+          </a:bodyPr>
+          <a:lstStyle/>
+          <a:p>
+            <a:pPr algn="ctr"/>
+            <a:r>
+              <a:rPr lang="pt-BR" sz="5400" b="1" cap="all" dirty="0" smtClean="0">
+                <a:ln w="9000" cmpd="sng">
+                  <a:solidFill>
+                    <a:schemeClr val="accent4">
+                      <a:shade val="50000"/>
+                      <a:satMod val="120000"/>
+                    </a:schemeClr>
+                  </a:solidFill>
+                  <a:prstDash val="solid"/>
+                </a:ln>
+                <a:gradFill>
+                  <a:gsLst>
+                    <a:gs pos="0">
+                      <a:schemeClr val="accent4">
+                        <a:shade val="20000"/>
+                        <a:satMod val="245000"/>
+                      </a:schemeClr>
+                    </a:gs>
+                    <a:gs pos="43000">
+                      <a:schemeClr val="accent4">
+                        <a:satMod val="255000"/>
+                      </a:schemeClr>
+                    </a:gs>
+                    <a:gs pos="48000">
+                      <a:schemeClr val="accent4">
+                        <a:shade val="85000"/>
+                        <a:satMod val="255000"/>
+                      </a:schemeClr>
+                    </a:gs>
+                    <a:gs pos="100000">
+                      <a:schemeClr val="accent4">
+                        <a:shade val="20000"/>
+                        <a:satMod val="245000"/>
+                      </a:schemeClr>
+                    </a:gs>
+                  </a:gsLst>
+                  <a:lin ang="5400000"/>
+                </a:gradFill>
+                <a:effectLst>
+                  <a:outerShdw blurRad="38100" dist="38100" dir="2700000" algn="tl">
+                    <a:srgbClr val="000000">
+                      <a:alpha val="43137"/>
+                    </a:srgbClr>
+                  </a:outerShdw>
+                  <a:reflection blurRad="12700" stA="28000" endPos="45000" dist="1000" dir="5400000" sy="-100000" algn="bl" rotWithShape="0"/>
+                </a:effectLst>
+              </a:rPr>
+              <a:t>FUNÇÕES</a:t>
+            </a:r>
+            <a:endParaRPr lang="pt-BR" sz="5400" b="1" cap="all" dirty="0">
+              <a:ln w="9000" cmpd="sng">
+                <a:solidFill>
+                  <a:schemeClr val="accent4">
+                    <a:shade val="50000"/>
+                    <a:satMod val="120000"/>
+                  </a:schemeClr>
+                </a:solidFill>
+                <a:prstDash val="solid"/>
+              </a:ln>
+              <a:gradFill>
+                <a:gsLst>
+                  <a:gs pos="0">
+                    <a:schemeClr val="accent4">
+                      <a:shade val="20000"/>
+                      <a:satMod val="245000"/>
+                    </a:schemeClr>
+                  </a:gs>
+                  <a:gs pos="43000">
+                    <a:schemeClr val="accent4">
+                      <a:satMod val="255000"/>
+                    </a:schemeClr>
+                  </a:gs>
+                  <a:gs pos="48000">
+                    <a:schemeClr val="accent4">
+                      <a:shade val="85000"/>
+                      <a:satMod val="255000"/>
+                    </a:schemeClr>
+                  </a:gs>
+                  <a:gs pos="100000">
+                    <a:schemeClr val="accent4">
+                      <a:shade val="20000"/>
+                      <a:satMod val="245000"/>
+                    </a:schemeClr>
+                  </a:gs>
+                </a:gsLst>
+                <a:lin ang="5400000"/>
+              </a:gradFill>
+              <a:effectLst>
+                <a:outerShdw blurRad="38100" dist="38100" dir="2700000" algn="tl">
+                  <a:srgbClr val="000000">
+                    <a:alpha val="43137"/>
+                  </a:srgbClr>
+                </a:outerShdw>
+                <a:reflection blurRad="12700" stA="28000" endPos="45000" dist="1000" dir="5400000" sy="-100000" algn="bl" rotWithShape="0"/>
+              </a:effectLst>
+            </a:endParaRPr>
+          </a:p>
+        </p:txBody>
+      </p:sp>
+      <p:pic>
+        <p:nvPicPr>
+          <p:cNvPr id="4098" name="Picture 2"/>
+          <p:cNvPicPr>
+            <a:picLocks noChangeAspect="1" noChangeArrowheads="1"/>
+          </p:cNvPicPr>
+          <p:nvPr/>
+        </p:nvPicPr>
+        <p:blipFill>
+          <a:blip r:embed="rId2"/>
+          <a:srcRect/>
+          <a:stretch>
+            <a:fillRect/>
+          </a:stretch>
+        </p:blipFill>
+        <p:spPr bwMode="auto">
+          <a:xfrm>
+            <a:off x="0" y="1457325"/>
+            <a:ext cx="9144000" cy="5400675"/>
+          </a:xfrm>
+          <a:prstGeom prst="rect">
+            <a:avLst/>
+          </a:prstGeom>
+          <a:noFill/>
+          <a:ln w="9525">
+            <a:noFill/>
+            <a:miter lim="800000"/>
+            <a:headEnd/>
+            <a:tailEnd/>
+          </a:ln>
+          <a:effectLst/>
+        </p:spPr>
+      </p:pic>
+    </p:spTree>
+  </p:cSld>
+  <p:clrMapOvr>
+    <a:masterClrMapping/>
+  </p:clrMapOvr>
+</p:sld>
+</file>
+
 <file path=ppt/slides/slide2.xml><?xml version="1.0" encoding="utf-8"?>
 <p:sld xmlns:a="http://schemas.openxmlformats.org/drawingml/2006/main" xmlns:r="http://schemas.openxmlformats.org/officeDocument/2006/relationships" xmlns:p="http://schemas.openxmlformats.org/presentationml/2006/main">
   <p:cSld>
@@ -3940,8 +5912,8 @@
         </p:nvSpPr>
         <p:spPr>
           <a:xfrm>
-            <a:off x="1142976" y="571480"/>
-            <a:ext cx="7177735" cy="923330"/>
+            <a:off x="3000364" y="714356"/>
+            <a:ext cx="1778051" cy="923330"/>
           </a:xfrm>
           <a:prstGeom prst="rect">
             <a:avLst/>
@@ -3956,7 +5928,7 @@
           <a:p>
             <a:pPr algn="ctr"/>
             <a:r>
-              <a:rPr lang="pt-BR" sz="5400" b="1" cap="all" dirty="0" smtClean="0">
+              <a:rPr lang="pt-BR" sz="5400" b="1" cap="all" dirty="0" err="1" smtClean="0">
                 <a:ln w="9000" cmpd="sng">
                   <a:solidFill>
                     <a:schemeClr val="accent4">
@@ -4003,7 +5975,7 @@
                   <a:reflection blurRad="12700" stA="28000" endPos="45000" dist="1000" dir="5400000" sy="-100000" algn="bl" rotWithShape="0"/>
                 </a:effectLst>
               </a:rPr>
-              <a:t>Criando Database</a:t>
+              <a:t>Like</a:t>
             </a:r>
             <a:endParaRPr lang="pt-BR" sz="5400" b="1" cap="all" dirty="0">
               <a:ln w="9000" cmpd="sng">
@@ -4055,6 +6027,466 @@
           </a:p>
         </p:txBody>
       </p:sp>
+      <p:pic>
+        <p:nvPicPr>
+          <p:cNvPr id="1026" name="Picture 2"/>
+          <p:cNvPicPr>
+            <a:picLocks noChangeAspect="1" noChangeArrowheads="1"/>
+          </p:cNvPicPr>
+          <p:nvPr/>
+        </p:nvPicPr>
+        <p:blipFill>
+          <a:blip r:embed="rId2"/>
+          <a:srcRect/>
+          <a:stretch>
+            <a:fillRect/>
+          </a:stretch>
+        </p:blipFill>
+        <p:spPr bwMode="auto">
+          <a:xfrm>
+            <a:off x="0" y="1785926"/>
+            <a:ext cx="9144000" cy="5072074"/>
+          </a:xfrm>
+          <a:prstGeom prst="rect">
+            <a:avLst/>
+          </a:prstGeom>
+          <a:noFill/>
+          <a:ln w="9525">
+            <a:noFill/>
+            <a:miter lim="800000"/>
+            <a:headEnd/>
+            <a:tailEnd/>
+          </a:ln>
+          <a:effectLst/>
+        </p:spPr>
+      </p:pic>
+    </p:spTree>
+  </p:cSld>
+  <p:clrMapOvr>
+    <a:masterClrMapping/>
+  </p:clrMapOvr>
+  <p:timing>
+    <p:tnLst>
+      <p:par>
+        <p:cTn id="1" dur="indefinite" restart="never" nodeType="tmRoot"/>
+      </p:par>
+    </p:tnLst>
+  </p:timing>
+</p:sld>
+</file>
+
+<file path=ppt/slides/slide20.xml><?xml version="1.0" encoding="utf-8"?>
+<p:sld xmlns:a="http://schemas.openxmlformats.org/drawingml/2006/main" xmlns:r="http://schemas.openxmlformats.org/officeDocument/2006/relationships" xmlns:p="http://schemas.openxmlformats.org/presentationml/2006/main">
+  <p:cSld>
+    <p:spTree>
+      <p:nvGrpSpPr>
+        <p:cNvPr id="1" name=""/>
+        <p:cNvGrpSpPr/>
+        <p:nvPr/>
+      </p:nvGrpSpPr>
+      <p:grpSpPr>
+        <a:xfrm>
+          <a:off x="0" y="0"/>
+          <a:ext cx="0" cy="0"/>
+          <a:chOff x="0" y="0"/>
+          <a:chExt cx="0" cy="0"/>
+        </a:xfrm>
+      </p:grpSpPr>
+      <p:pic>
+        <p:nvPicPr>
+          <p:cNvPr id="5122" name="Picture 2"/>
+          <p:cNvPicPr>
+            <a:picLocks noChangeAspect="1" noChangeArrowheads="1"/>
+          </p:cNvPicPr>
+          <p:nvPr/>
+        </p:nvPicPr>
+        <p:blipFill>
+          <a:blip r:embed="rId2"/>
+          <a:srcRect/>
+          <a:stretch>
+            <a:fillRect/>
+          </a:stretch>
+        </p:blipFill>
+        <p:spPr bwMode="auto">
+          <a:xfrm>
+            <a:off x="0" y="1714488"/>
+            <a:ext cx="9144000" cy="5143512"/>
+          </a:xfrm>
+          <a:prstGeom prst="rect">
+            <a:avLst/>
+          </a:prstGeom>
+          <a:noFill/>
+          <a:ln w="9525">
+            <a:noFill/>
+            <a:miter lim="800000"/>
+            <a:headEnd/>
+            <a:tailEnd/>
+          </a:ln>
+          <a:effectLst/>
+        </p:spPr>
+      </p:pic>
+      <p:sp>
+        <p:nvSpPr>
+          <p:cNvPr id="3" name="Retângulo 2"/>
+          <p:cNvSpPr/>
+          <p:nvPr/>
+        </p:nvSpPr>
+        <p:spPr>
+          <a:xfrm>
+            <a:off x="1142976" y="571480"/>
+            <a:ext cx="3418308" cy="923330"/>
+          </a:xfrm>
+          <a:prstGeom prst="rect">
+            <a:avLst/>
+          </a:prstGeom>
+          <a:noFill/>
+        </p:spPr>
+        <p:txBody>
+          <a:bodyPr wrap="none" lIns="91440" tIns="45720" rIns="91440" bIns="45720">
+            <a:spAutoFit/>
+          </a:bodyPr>
+          <a:lstStyle/>
+          <a:p>
+            <a:pPr algn="ctr"/>
+            <a:r>
+              <a:rPr lang="pt-BR" sz="5400" b="1" cap="all" dirty="0" smtClean="0">
+                <a:ln w="9000" cmpd="sng">
+                  <a:solidFill>
+                    <a:schemeClr val="accent4">
+                      <a:shade val="50000"/>
+                      <a:satMod val="120000"/>
+                    </a:schemeClr>
+                  </a:solidFill>
+                  <a:prstDash val="solid"/>
+                </a:ln>
+                <a:gradFill>
+                  <a:gsLst>
+                    <a:gs pos="0">
+                      <a:schemeClr val="accent4">
+                        <a:shade val="20000"/>
+                        <a:satMod val="245000"/>
+                      </a:schemeClr>
+                    </a:gs>
+                    <a:gs pos="43000">
+                      <a:schemeClr val="accent4">
+                        <a:satMod val="255000"/>
+                      </a:schemeClr>
+                    </a:gs>
+                    <a:gs pos="48000">
+                      <a:schemeClr val="accent4">
+                        <a:shade val="85000"/>
+                        <a:satMod val="255000"/>
+                      </a:schemeClr>
+                    </a:gs>
+                    <a:gs pos="100000">
+                      <a:schemeClr val="accent4">
+                        <a:shade val="20000"/>
+                        <a:satMod val="245000"/>
+                      </a:schemeClr>
+                    </a:gs>
+                  </a:gsLst>
+                  <a:lin ang="5400000"/>
+                </a:gradFill>
+                <a:effectLst>
+                  <a:outerShdw blurRad="38100" dist="38100" dir="2700000" algn="tl">
+                    <a:srgbClr val="000000">
+                      <a:alpha val="43137"/>
+                    </a:srgbClr>
+                  </a:outerShdw>
+                  <a:reflection blurRad="12700" stA="28000" endPos="45000" dist="1000" dir="5400000" sy="-100000" algn="bl" rotWithShape="0"/>
+                </a:effectLst>
+              </a:rPr>
+              <a:t>FUNÇÕES</a:t>
+            </a:r>
+            <a:endParaRPr lang="pt-BR" sz="5400" b="1" cap="all" dirty="0">
+              <a:ln w="9000" cmpd="sng">
+                <a:solidFill>
+                  <a:schemeClr val="accent4">
+                    <a:shade val="50000"/>
+                    <a:satMod val="120000"/>
+                  </a:schemeClr>
+                </a:solidFill>
+                <a:prstDash val="solid"/>
+              </a:ln>
+              <a:gradFill>
+                <a:gsLst>
+                  <a:gs pos="0">
+                    <a:schemeClr val="accent4">
+                      <a:shade val="20000"/>
+                      <a:satMod val="245000"/>
+                    </a:schemeClr>
+                  </a:gs>
+                  <a:gs pos="43000">
+                    <a:schemeClr val="accent4">
+                      <a:satMod val="255000"/>
+                    </a:schemeClr>
+                  </a:gs>
+                  <a:gs pos="48000">
+                    <a:schemeClr val="accent4">
+                      <a:shade val="85000"/>
+                      <a:satMod val="255000"/>
+                    </a:schemeClr>
+                  </a:gs>
+                  <a:gs pos="100000">
+                    <a:schemeClr val="accent4">
+                      <a:shade val="20000"/>
+                      <a:satMod val="245000"/>
+                    </a:schemeClr>
+                  </a:gs>
+                </a:gsLst>
+                <a:lin ang="5400000"/>
+              </a:gradFill>
+              <a:effectLst>
+                <a:outerShdw blurRad="38100" dist="38100" dir="2700000" algn="tl">
+                  <a:srgbClr val="000000">
+                    <a:alpha val="43137"/>
+                  </a:srgbClr>
+                </a:outerShdw>
+                <a:reflection blurRad="12700" stA="28000" endPos="45000" dist="1000" dir="5400000" sy="-100000" algn="bl" rotWithShape="0"/>
+              </a:effectLst>
+            </a:endParaRPr>
+          </a:p>
+        </p:txBody>
+      </p:sp>
+    </p:spTree>
+  </p:cSld>
+  <p:clrMapOvr>
+    <a:masterClrMapping/>
+  </p:clrMapOvr>
+</p:sld>
+</file>
+
+<file path=ppt/slides/slide21.xml><?xml version="1.0" encoding="utf-8"?>
+<p:sld xmlns:a="http://schemas.openxmlformats.org/drawingml/2006/main" xmlns:r="http://schemas.openxmlformats.org/officeDocument/2006/relationships" xmlns:p="http://schemas.openxmlformats.org/presentationml/2006/main">
+  <p:cSld>
+    <p:spTree>
+      <p:nvGrpSpPr>
+        <p:cNvPr id="1" name=""/>
+        <p:cNvGrpSpPr/>
+        <p:nvPr/>
+      </p:nvGrpSpPr>
+      <p:grpSpPr>
+        <a:xfrm>
+          <a:off x="0" y="0"/>
+          <a:ext cx="0" cy="0"/>
+          <a:chOff x="0" y="0"/>
+          <a:chExt cx="0" cy="0"/>
+        </a:xfrm>
+      </p:grpSpPr>
+      <p:pic>
+        <p:nvPicPr>
+          <p:cNvPr id="6146" name="Picture 2"/>
+          <p:cNvPicPr>
+            <a:picLocks noChangeAspect="1" noChangeArrowheads="1"/>
+          </p:cNvPicPr>
+          <p:nvPr/>
+        </p:nvPicPr>
+        <p:blipFill>
+          <a:blip r:embed="rId2"/>
+          <a:srcRect/>
+          <a:stretch>
+            <a:fillRect/>
+          </a:stretch>
+        </p:blipFill>
+        <p:spPr bwMode="auto">
+          <a:xfrm>
+            <a:off x="0" y="1857399"/>
+            <a:ext cx="9144000" cy="5000625"/>
+          </a:xfrm>
+          <a:prstGeom prst="rect">
+            <a:avLst/>
+          </a:prstGeom>
+          <a:noFill/>
+          <a:ln w="9525">
+            <a:noFill/>
+            <a:miter lim="800000"/>
+            <a:headEnd/>
+            <a:tailEnd/>
+          </a:ln>
+          <a:effectLst/>
+        </p:spPr>
+      </p:pic>
+      <p:sp>
+        <p:nvSpPr>
+          <p:cNvPr id="3" name="Retângulo 2"/>
+          <p:cNvSpPr/>
+          <p:nvPr/>
+        </p:nvSpPr>
+        <p:spPr>
+          <a:xfrm>
+            <a:off x="1142976" y="571480"/>
+            <a:ext cx="6435673" cy="923330"/>
+          </a:xfrm>
+          <a:prstGeom prst="rect">
+            <a:avLst/>
+          </a:prstGeom>
+          <a:noFill/>
+        </p:spPr>
+        <p:txBody>
+          <a:bodyPr wrap="none" lIns="91440" tIns="45720" rIns="91440" bIns="45720">
+            <a:spAutoFit/>
+          </a:bodyPr>
+          <a:lstStyle/>
+          <a:p>
+            <a:pPr algn="ctr"/>
+            <a:r>
+              <a:rPr lang="pt-BR" sz="5400" b="1" cap="all" dirty="0" smtClean="0">
+                <a:ln w="9000" cmpd="sng">
+                  <a:solidFill>
+                    <a:schemeClr val="accent4">
+                      <a:shade val="50000"/>
+                      <a:satMod val="120000"/>
+                    </a:schemeClr>
+                  </a:solidFill>
+                  <a:prstDash val="solid"/>
+                </a:ln>
+                <a:gradFill>
+                  <a:gsLst>
+                    <a:gs pos="0">
+                      <a:schemeClr val="accent4">
+                        <a:shade val="20000"/>
+                        <a:satMod val="245000"/>
+                      </a:schemeClr>
+                    </a:gs>
+                    <a:gs pos="43000">
+                      <a:schemeClr val="accent4">
+                        <a:satMod val="255000"/>
+                      </a:schemeClr>
+                    </a:gs>
+                    <a:gs pos="48000">
+                      <a:schemeClr val="accent4">
+                        <a:shade val="85000"/>
+                        <a:satMod val="255000"/>
+                      </a:schemeClr>
+                    </a:gs>
+                    <a:gs pos="100000">
+                      <a:schemeClr val="accent4">
+                        <a:shade val="20000"/>
+                        <a:satMod val="245000"/>
+                      </a:schemeClr>
+                    </a:gs>
+                  </a:gsLst>
+                  <a:lin ang="5400000"/>
+                </a:gradFill>
+                <a:effectLst>
+                  <a:outerShdw blurRad="38100" dist="38100" dir="2700000" algn="tl">
+                    <a:srgbClr val="000000">
+                      <a:alpha val="43137"/>
+                    </a:srgbClr>
+                  </a:outerShdw>
+                  <a:reflection blurRad="12700" stA="28000" endPos="45000" dist="1000" dir="5400000" sy="-100000" algn="bl" rotWithShape="0"/>
+                </a:effectLst>
+              </a:rPr>
+              <a:t>CONVERSÃO DATA</a:t>
+            </a:r>
+            <a:endParaRPr lang="pt-BR" sz="5400" b="1" cap="all" dirty="0">
+              <a:ln w="9000" cmpd="sng">
+                <a:solidFill>
+                  <a:schemeClr val="accent4">
+                    <a:shade val="50000"/>
+                    <a:satMod val="120000"/>
+                  </a:schemeClr>
+                </a:solidFill>
+                <a:prstDash val="solid"/>
+              </a:ln>
+              <a:gradFill>
+                <a:gsLst>
+                  <a:gs pos="0">
+                    <a:schemeClr val="accent4">
+                      <a:shade val="20000"/>
+                      <a:satMod val="245000"/>
+                    </a:schemeClr>
+                  </a:gs>
+                  <a:gs pos="43000">
+                    <a:schemeClr val="accent4">
+                      <a:satMod val="255000"/>
+                    </a:schemeClr>
+                  </a:gs>
+                  <a:gs pos="48000">
+                    <a:schemeClr val="accent4">
+                      <a:shade val="85000"/>
+                      <a:satMod val="255000"/>
+                    </a:schemeClr>
+                  </a:gs>
+                  <a:gs pos="100000">
+                    <a:schemeClr val="accent4">
+                      <a:shade val="20000"/>
+                      <a:satMod val="245000"/>
+                    </a:schemeClr>
+                  </a:gs>
+                </a:gsLst>
+                <a:lin ang="5400000"/>
+              </a:gradFill>
+              <a:effectLst>
+                <a:outerShdw blurRad="38100" dist="38100" dir="2700000" algn="tl">
+                  <a:srgbClr val="000000">
+                    <a:alpha val="43137"/>
+                  </a:srgbClr>
+                </a:outerShdw>
+                <a:reflection blurRad="12700" stA="28000" endPos="45000" dist="1000" dir="5400000" sy="-100000" algn="bl" rotWithShape="0"/>
+              </a:effectLst>
+            </a:endParaRPr>
+          </a:p>
+        </p:txBody>
+      </p:sp>
+    </p:spTree>
+  </p:cSld>
+  <p:clrMapOvr>
+    <a:masterClrMapping/>
+  </p:clrMapOvr>
+</p:sld>
+</file>
+
+<file path=ppt/slides/slide22.xml><?xml version="1.0" encoding="utf-8"?>
+<p:sld xmlns:a="http://schemas.openxmlformats.org/drawingml/2006/main" xmlns:r="http://schemas.openxmlformats.org/officeDocument/2006/relationships" xmlns:p="http://schemas.openxmlformats.org/presentationml/2006/main">
+  <p:cSld>
+    <p:spTree>
+      <p:nvGrpSpPr>
+        <p:cNvPr id="1" name=""/>
+        <p:cNvGrpSpPr/>
+        <p:nvPr/>
+      </p:nvGrpSpPr>
+      <p:grpSpPr>
+        <a:xfrm>
+          <a:off x="0" y="0"/>
+          <a:ext cx="0" cy="0"/>
+          <a:chOff x="0" y="0"/>
+          <a:chExt cx="0" cy="0"/>
+        </a:xfrm>
+      </p:grpSpPr>
+      <p:pic>
+        <p:nvPicPr>
+          <p:cNvPr id="7170" name="Picture 2"/>
+          <p:cNvPicPr>
+            <a:picLocks noChangeAspect="1" noChangeArrowheads="1"/>
+          </p:cNvPicPr>
+          <p:nvPr/>
+        </p:nvPicPr>
+        <p:blipFill>
+          <a:blip r:embed="rId2"/>
+          <a:srcRect/>
+          <a:stretch>
+            <a:fillRect/>
+          </a:stretch>
+        </p:blipFill>
+        <p:spPr bwMode="auto">
+          <a:xfrm>
+            <a:off x="0" y="1000108"/>
+            <a:ext cx="9144000" cy="5267325"/>
+          </a:xfrm>
+          <a:prstGeom prst="rect">
+            <a:avLst/>
+          </a:prstGeom>
+          <a:noFill/>
+          <a:ln w="9525">
+            <a:noFill/>
+            <a:miter lim="800000"/>
+            <a:headEnd/>
+            <a:tailEnd/>
+          </a:ln>
+          <a:effectLst/>
+        </p:spPr>
+      </p:pic>
     </p:spTree>
   </p:cSld>
   <p:clrMapOvr>
@@ -4096,7 +6528,7 @@
         <p:spPr>
           <a:xfrm>
             <a:off x="1142976" y="571480"/>
-            <a:ext cx="7177735" cy="923330"/>
+            <a:ext cx="1778051" cy="923330"/>
           </a:xfrm>
           <a:prstGeom prst="rect">
             <a:avLst/>
@@ -4111,7 +6543,7 @@
           <a:p>
             <a:pPr algn="ctr"/>
             <a:r>
-              <a:rPr lang="pt-BR" sz="5400" b="1" cap="all" dirty="0" smtClean="0">
+              <a:rPr lang="pt-BR" sz="5400" b="1" cap="all" dirty="0" err="1" smtClean="0">
                 <a:ln w="9000" cmpd="sng">
                   <a:solidFill>
                     <a:schemeClr val="accent4">
@@ -4158,7 +6590,7 @@
                   <a:reflection blurRad="12700" stA="28000" endPos="45000" dist="1000" dir="5400000" sy="-100000" algn="bl" rotWithShape="0"/>
                 </a:effectLst>
               </a:rPr>
-              <a:t>Criando Database</a:t>
+              <a:t>Like</a:t>
             </a:r>
             <a:endParaRPr lang="pt-BR" sz="5400" b="1" cap="all" dirty="0">
               <a:ln w="9000" cmpd="sng">
@@ -4210,6 +6642,39 @@
           </a:p>
         </p:txBody>
       </p:sp>
+      <p:pic>
+        <p:nvPicPr>
+          <p:cNvPr id="2050" name="Picture 2"/>
+          <p:cNvPicPr>
+            <a:picLocks noChangeAspect="1" noChangeArrowheads="1"/>
+          </p:cNvPicPr>
+          <p:nvPr/>
+        </p:nvPicPr>
+        <p:blipFill>
+          <a:blip r:embed="rId2"/>
+          <a:srcRect/>
+          <a:stretch>
+            <a:fillRect/>
+          </a:stretch>
+        </p:blipFill>
+        <p:spPr bwMode="auto">
+          <a:xfrm>
+            <a:off x="0" y="1857364"/>
+            <a:ext cx="9144000" cy="3381375"/>
+          </a:xfrm>
+          <a:prstGeom prst="rect">
+            <a:avLst/>
+          </a:prstGeom>
+          <a:noFill/>
+          <a:ln w="9525">
+            <a:noFill/>
+            <a:miter lim="800000"/>
+            <a:headEnd/>
+            <a:tailEnd/>
+          </a:ln>
+          <a:effectLst/>
+        </p:spPr>
+      </p:pic>
     </p:spTree>
   </p:cSld>
   <p:clrMapOvr>
@@ -4242,16 +6707,49 @@
           <a:chExt cx="0" cy="0"/>
         </a:xfrm>
       </p:grpSpPr>
-      <p:sp>
-        <p:nvSpPr>
-          <p:cNvPr id="4" name="Retângulo 3"/>
+      <p:pic>
+        <p:nvPicPr>
+          <p:cNvPr id="4098" name="Picture 2"/>
+          <p:cNvPicPr>
+            <a:picLocks noChangeAspect="1" noChangeArrowheads="1"/>
+          </p:cNvPicPr>
+          <p:nvPr/>
+        </p:nvPicPr>
+        <p:blipFill>
+          <a:blip r:embed="rId2"/>
+          <a:srcRect/>
+          <a:stretch>
+            <a:fillRect/>
+          </a:stretch>
+        </p:blipFill>
+        <p:spPr bwMode="auto">
+          <a:xfrm>
+            <a:off x="-32" y="1500174"/>
+            <a:ext cx="9144032" cy="5357850"/>
+          </a:xfrm>
+          <a:prstGeom prst="rect">
+            <a:avLst/>
+          </a:prstGeom>
+          <a:noFill/>
+          <a:ln w="9525">
+            <a:noFill/>
+            <a:miter lim="800000"/>
+            <a:headEnd/>
+            <a:tailEnd/>
+          </a:ln>
+          <a:effectLst/>
+        </p:spPr>
+      </p:pic>
+      <p:sp>
+        <p:nvSpPr>
+          <p:cNvPr id="5" name="Retângulo 4"/>
           <p:cNvSpPr/>
           <p:nvPr/>
         </p:nvSpPr>
         <p:spPr>
           <a:xfrm>
             <a:off x="1142976" y="571480"/>
-            <a:ext cx="7177735" cy="923330"/>
+            <a:ext cx="3472104" cy="923330"/>
           </a:xfrm>
           <a:prstGeom prst="rect">
             <a:avLst/>
@@ -4313,7 +6811,7 @@
                   <a:reflection blurRad="12700" stA="28000" endPos="45000" dist="1000" dir="5400000" sy="-100000" algn="bl" rotWithShape="0"/>
                 </a:effectLst>
               </a:rPr>
-              <a:t>Criando Database</a:t>
+              <a:t>DISTINCT</a:t>
             </a:r>
             <a:endParaRPr lang="pt-BR" sz="5400" b="1" cap="all" dirty="0">
               <a:ln w="9000" cmpd="sng">
@@ -4405,8 +6903,8 @@
         </p:nvSpPr>
         <p:spPr>
           <a:xfrm>
-            <a:off x="1142976" y="571480"/>
-            <a:ext cx="7177735" cy="923330"/>
+            <a:off x="1142976" y="714356"/>
+            <a:ext cx="3472104" cy="923330"/>
           </a:xfrm>
           <a:prstGeom prst="rect">
             <a:avLst/>
@@ -4468,7 +6966,7 @@
                   <a:reflection blurRad="12700" stA="28000" endPos="45000" dist="1000" dir="5400000" sy="-100000" algn="bl" rotWithShape="0"/>
                 </a:effectLst>
               </a:rPr>
-              <a:t>Criando Database</a:t>
+              <a:t>DISTINCT</a:t>
             </a:r>
             <a:endParaRPr lang="pt-BR" sz="5400" b="1" cap="all" dirty="0">
               <a:ln w="9000" cmpd="sng">
@@ -4520,6 +7018,39 @@
           </a:p>
         </p:txBody>
       </p:sp>
+      <p:pic>
+        <p:nvPicPr>
+          <p:cNvPr id="3074" name="Picture 2"/>
+          <p:cNvPicPr>
+            <a:picLocks noChangeAspect="1" noChangeArrowheads="1"/>
+          </p:cNvPicPr>
+          <p:nvPr/>
+        </p:nvPicPr>
+        <p:blipFill>
+          <a:blip r:embed="rId2"/>
+          <a:srcRect/>
+          <a:stretch>
+            <a:fillRect/>
+          </a:stretch>
+        </p:blipFill>
+        <p:spPr bwMode="auto">
+          <a:xfrm>
+            <a:off x="-31" y="1857364"/>
+            <a:ext cx="9144032" cy="5000636"/>
+          </a:xfrm>
+          <a:prstGeom prst="rect">
+            <a:avLst/>
+          </a:prstGeom>
+          <a:noFill/>
+          <a:ln w="9525">
+            <a:noFill/>
+            <a:miter lim="800000"/>
+            <a:headEnd/>
+            <a:tailEnd/>
+          </a:ln>
+          <a:effectLst/>
+        </p:spPr>
+      </p:pic>
     </p:spTree>
   </p:cSld>
   <p:clrMapOvr>
@@ -4561,7 +7092,7 @@
         <p:spPr>
           <a:xfrm>
             <a:off x="1142976" y="571480"/>
-            <a:ext cx="7177735" cy="923330"/>
+            <a:ext cx="3734805" cy="923330"/>
           </a:xfrm>
           <a:prstGeom prst="rect">
             <a:avLst/>
@@ -4576,7 +7107,7 @@
           <a:p>
             <a:pPr algn="ctr"/>
             <a:r>
-              <a:rPr lang="pt-BR" sz="5400" b="1" cap="all" dirty="0" smtClean="0">
+              <a:rPr lang="pt-BR" sz="5400" b="1" cap="all" dirty="0" err="1" smtClean="0">
                 <a:ln w="9000" cmpd="sng">
                   <a:solidFill>
                     <a:schemeClr val="accent4">
@@ -4623,7 +7154,107 @@
                   <a:reflection blurRad="12700" stA="28000" endPos="45000" dist="1000" dir="5400000" sy="-100000" algn="bl" rotWithShape="0"/>
                 </a:effectLst>
               </a:rPr>
-              <a:t>Criando Database</a:t>
+              <a:t>Order</a:t>
+            </a:r>
+            <a:r>
+              <a:rPr lang="pt-BR" sz="5400" b="1" cap="all" dirty="0" smtClean="0">
+                <a:ln w="9000" cmpd="sng">
+                  <a:solidFill>
+                    <a:schemeClr val="accent4">
+                      <a:shade val="50000"/>
+                      <a:satMod val="120000"/>
+                    </a:schemeClr>
+                  </a:solidFill>
+                  <a:prstDash val="solid"/>
+                </a:ln>
+                <a:gradFill>
+                  <a:gsLst>
+                    <a:gs pos="0">
+                      <a:schemeClr val="accent4">
+                        <a:shade val="20000"/>
+                        <a:satMod val="245000"/>
+                      </a:schemeClr>
+                    </a:gs>
+                    <a:gs pos="43000">
+                      <a:schemeClr val="accent4">
+                        <a:satMod val="255000"/>
+                      </a:schemeClr>
+                    </a:gs>
+                    <a:gs pos="48000">
+                      <a:schemeClr val="accent4">
+                        <a:shade val="85000"/>
+                        <a:satMod val="255000"/>
+                      </a:schemeClr>
+                    </a:gs>
+                    <a:gs pos="100000">
+                      <a:schemeClr val="accent4">
+                        <a:shade val="20000"/>
+                        <a:satMod val="245000"/>
+                      </a:schemeClr>
+                    </a:gs>
+                  </a:gsLst>
+                  <a:lin ang="5400000"/>
+                </a:gradFill>
+                <a:effectLst>
+                  <a:outerShdw blurRad="38100" dist="38100" dir="2700000" algn="tl">
+                    <a:srgbClr val="000000">
+                      <a:alpha val="43137"/>
+                    </a:srgbClr>
+                  </a:outerShdw>
+                  <a:reflection blurRad="12700" stA="28000" endPos="45000" dist="1000" dir="5400000" sy="-100000" algn="bl" rotWithShape="0"/>
+                </a:effectLst>
+              </a:rPr>
+              <a:t> </a:t>
+            </a:r>
+            <a:r>
+              <a:rPr lang="pt-BR" sz="5400" b="1" cap="all" dirty="0" err="1" smtClean="0">
+                <a:ln w="9000" cmpd="sng">
+                  <a:solidFill>
+                    <a:schemeClr val="accent4">
+                      <a:shade val="50000"/>
+                      <a:satMod val="120000"/>
+                    </a:schemeClr>
+                  </a:solidFill>
+                  <a:prstDash val="solid"/>
+                </a:ln>
+                <a:gradFill>
+                  <a:gsLst>
+                    <a:gs pos="0">
+                      <a:schemeClr val="accent4">
+                        <a:shade val="20000"/>
+                        <a:satMod val="245000"/>
+                      </a:schemeClr>
+                    </a:gs>
+                    <a:gs pos="43000">
+                      <a:schemeClr val="accent4">
+                        <a:satMod val="255000"/>
+                      </a:schemeClr>
+                    </a:gs>
+                    <a:gs pos="48000">
+                      <a:schemeClr val="accent4">
+                        <a:shade val="85000"/>
+                        <a:satMod val="255000"/>
+                      </a:schemeClr>
+                    </a:gs>
+                    <a:gs pos="100000">
+                      <a:schemeClr val="accent4">
+                        <a:shade val="20000"/>
+                        <a:satMod val="245000"/>
+                      </a:schemeClr>
+                    </a:gs>
+                  </a:gsLst>
+                  <a:lin ang="5400000"/>
+                </a:gradFill>
+                <a:effectLst>
+                  <a:outerShdw blurRad="38100" dist="38100" dir="2700000" algn="tl">
+                    <a:srgbClr val="000000">
+                      <a:alpha val="43137"/>
+                    </a:srgbClr>
+                  </a:outerShdw>
+                  <a:reflection blurRad="12700" stA="28000" endPos="45000" dist="1000" dir="5400000" sy="-100000" algn="bl" rotWithShape="0"/>
+                </a:effectLst>
+              </a:rPr>
+              <a:t>by</a:t>
             </a:r>
             <a:endParaRPr lang="pt-BR" sz="5400" b="1" cap="all" dirty="0">
               <a:ln w="9000" cmpd="sng">
@@ -4675,6 +7306,809 @@
           </a:p>
         </p:txBody>
       </p:sp>
+      <p:pic>
+        <p:nvPicPr>
+          <p:cNvPr id="5122" name="Picture 2"/>
+          <p:cNvPicPr>
+            <a:picLocks noChangeAspect="1" noChangeArrowheads="1"/>
+          </p:cNvPicPr>
+          <p:nvPr/>
+        </p:nvPicPr>
+        <p:blipFill>
+          <a:blip r:embed="rId2"/>
+          <a:srcRect/>
+          <a:stretch>
+            <a:fillRect/>
+          </a:stretch>
+        </p:blipFill>
+        <p:spPr bwMode="auto">
+          <a:xfrm>
+            <a:off x="71438" y="1500174"/>
+            <a:ext cx="9001156" cy="5334000"/>
+          </a:xfrm>
+          <a:prstGeom prst="rect">
+            <a:avLst/>
+          </a:prstGeom>
+          <a:noFill/>
+          <a:ln w="9525">
+            <a:noFill/>
+            <a:miter lim="800000"/>
+            <a:headEnd/>
+            <a:tailEnd/>
+          </a:ln>
+          <a:effectLst/>
+        </p:spPr>
+      </p:pic>
+    </p:spTree>
+  </p:cSld>
+  <p:clrMapOvr>
+    <a:masterClrMapping/>
+  </p:clrMapOvr>
+  <p:timing>
+    <p:tnLst>
+      <p:par>
+        <p:cTn id="1" dur="indefinite" restart="never" nodeType="tmRoot"/>
+      </p:par>
+    </p:tnLst>
+  </p:timing>
+</p:sld>
+</file>
+
+<file path=ppt/slides/slide7.xml><?xml version="1.0" encoding="utf-8"?>
+<p:sld xmlns:a="http://schemas.openxmlformats.org/drawingml/2006/main" xmlns:r="http://schemas.openxmlformats.org/officeDocument/2006/relationships" xmlns:p="http://schemas.openxmlformats.org/presentationml/2006/main">
+  <p:cSld>
+    <p:spTree>
+      <p:nvGrpSpPr>
+        <p:cNvPr id="1" name=""/>
+        <p:cNvGrpSpPr/>
+        <p:nvPr/>
+      </p:nvGrpSpPr>
+      <p:grpSpPr>
+        <a:xfrm>
+          <a:off x="0" y="0"/>
+          <a:ext cx="0" cy="0"/>
+          <a:chOff x="0" y="0"/>
+          <a:chExt cx="0" cy="0"/>
+        </a:xfrm>
+      </p:grpSpPr>
+      <p:pic>
+        <p:nvPicPr>
+          <p:cNvPr id="6146" name="Picture 2"/>
+          <p:cNvPicPr>
+            <a:picLocks noChangeAspect="1" noChangeArrowheads="1"/>
+          </p:cNvPicPr>
+          <p:nvPr/>
+        </p:nvPicPr>
+        <p:blipFill>
+          <a:blip r:embed="rId2"/>
+          <a:srcRect/>
+          <a:stretch>
+            <a:fillRect/>
+          </a:stretch>
+        </p:blipFill>
+        <p:spPr bwMode="auto">
+          <a:xfrm>
+            <a:off x="114300" y="1524024"/>
+            <a:ext cx="8915400" cy="5334000"/>
+          </a:xfrm>
+          <a:prstGeom prst="rect">
+            <a:avLst/>
+          </a:prstGeom>
+          <a:noFill/>
+          <a:ln w="9525">
+            <a:noFill/>
+            <a:miter lim="800000"/>
+            <a:headEnd/>
+            <a:tailEnd/>
+          </a:ln>
+          <a:effectLst/>
+        </p:spPr>
+      </p:pic>
+      <p:sp>
+        <p:nvSpPr>
+          <p:cNvPr id="5" name="Retângulo 4"/>
+          <p:cNvSpPr/>
+          <p:nvPr/>
+        </p:nvSpPr>
+        <p:spPr>
+          <a:xfrm>
+            <a:off x="1142976" y="571480"/>
+            <a:ext cx="3734805" cy="923330"/>
+          </a:xfrm>
+          <a:prstGeom prst="rect">
+            <a:avLst/>
+          </a:prstGeom>
+          <a:noFill/>
+        </p:spPr>
+        <p:txBody>
+          <a:bodyPr wrap="none" lIns="91440" tIns="45720" rIns="91440" bIns="45720">
+            <a:spAutoFit/>
+          </a:bodyPr>
+          <a:lstStyle/>
+          <a:p>
+            <a:pPr algn="ctr"/>
+            <a:r>
+              <a:rPr lang="pt-BR" sz="5400" b="1" cap="all" dirty="0" err="1" smtClean="0">
+                <a:ln w="9000" cmpd="sng">
+                  <a:solidFill>
+                    <a:schemeClr val="accent4">
+                      <a:shade val="50000"/>
+                      <a:satMod val="120000"/>
+                    </a:schemeClr>
+                  </a:solidFill>
+                  <a:prstDash val="solid"/>
+                </a:ln>
+                <a:gradFill>
+                  <a:gsLst>
+                    <a:gs pos="0">
+                      <a:schemeClr val="accent4">
+                        <a:shade val="20000"/>
+                        <a:satMod val="245000"/>
+                      </a:schemeClr>
+                    </a:gs>
+                    <a:gs pos="43000">
+                      <a:schemeClr val="accent4">
+                        <a:satMod val="255000"/>
+                      </a:schemeClr>
+                    </a:gs>
+                    <a:gs pos="48000">
+                      <a:schemeClr val="accent4">
+                        <a:shade val="85000"/>
+                        <a:satMod val="255000"/>
+                      </a:schemeClr>
+                    </a:gs>
+                    <a:gs pos="100000">
+                      <a:schemeClr val="accent4">
+                        <a:shade val="20000"/>
+                        <a:satMod val="245000"/>
+                      </a:schemeClr>
+                    </a:gs>
+                  </a:gsLst>
+                  <a:lin ang="5400000"/>
+                </a:gradFill>
+                <a:effectLst>
+                  <a:outerShdw blurRad="38100" dist="38100" dir="2700000" algn="tl">
+                    <a:srgbClr val="000000">
+                      <a:alpha val="43137"/>
+                    </a:srgbClr>
+                  </a:outerShdw>
+                  <a:reflection blurRad="12700" stA="28000" endPos="45000" dist="1000" dir="5400000" sy="-100000" algn="bl" rotWithShape="0"/>
+                </a:effectLst>
+              </a:rPr>
+              <a:t>Order</a:t>
+            </a:r>
+            <a:r>
+              <a:rPr lang="pt-BR" sz="5400" b="1" cap="all" dirty="0" smtClean="0">
+                <a:ln w="9000" cmpd="sng">
+                  <a:solidFill>
+                    <a:schemeClr val="accent4">
+                      <a:shade val="50000"/>
+                      <a:satMod val="120000"/>
+                    </a:schemeClr>
+                  </a:solidFill>
+                  <a:prstDash val="solid"/>
+                </a:ln>
+                <a:gradFill>
+                  <a:gsLst>
+                    <a:gs pos="0">
+                      <a:schemeClr val="accent4">
+                        <a:shade val="20000"/>
+                        <a:satMod val="245000"/>
+                      </a:schemeClr>
+                    </a:gs>
+                    <a:gs pos="43000">
+                      <a:schemeClr val="accent4">
+                        <a:satMod val="255000"/>
+                      </a:schemeClr>
+                    </a:gs>
+                    <a:gs pos="48000">
+                      <a:schemeClr val="accent4">
+                        <a:shade val="85000"/>
+                        <a:satMod val="255000"/>
+                      </a:schemeClr>
+                    </a:gs>
+                    <a:gs pos="100000">
+                      <a:schemeClr val="accent4">
+                        <a:shade val="20000"/>
+                        <a:satMod val="245000"/>
+                      </a:schemeClr>
+                    </a:gs>
+                  </a:gsLst>
+                  <a:lin ang="5400000"/>
+                </a:gradFill>
+                <a:effectLst>
+                  <a:outerShdw blurRad="38100" dist="38100" dir="2700000" algn="tl">
+                    <a:srgbClr val="000000">
+                      <a:alpha val="43137"/>
+                    </a:srgbClr>
+                  </a:outerShdw>
+                  <a:reflection blurRad="12700" stA="28000" endPos="45000" dist="1000" dir="5400000" sy="-100000" algn="bl" rotWithShape="0"/>
+                </a:effectLst>
+              </a:rPr>
+              <a:t> </a:t>
+            </a:r>
+            <a:r>
+              <a:rPr lang="pt-BR" sz="5400" b="1" cap="all" dirty="0" err="1" smtClean="0">
+                <a:ln w="9000" cmpd="sng">
+                  <a:solidFill>
+                    <a:schemeClr val="accent4">
+                      <a:shade val="50000"/>
+                      <a:satMod val="120000"/>
+                    </a:schemeClr>
+                  </a:solidFill>
+                  <a:prstDash val="solid"/>
+                </a:ln>
+                <a:gradFill>
+                  <a:gsLst>
+                    <a:gs pos="0">
+                      <a:schemeClr val="accent4">
+                        <a:shade val="20000"/>
+                        <a:satMod val="245000"/>
+                      </a:schemeClr>
+                    </a:gs>
+                    <a:gs pos="43000">
+                      <a:schemeClr val="accent4">
+                        <a:satMod val="255000"/>
+                      </a:schemeClr>
+                    </a:gs>
+                    <a:gs pos="48000">
+                      <a:schemeClr val="accent4">
+                        <a:shade val="85000"/>
+                        <a:satMod val="255000"/>
+                      </a:schemeClr>
+                    </a:gs>
+                    <a:gs pos="100000">
+                      <a:schemeClr val="accent4">
+                        <a:shade val="20000"/>
+                        <a:satMod val="245000"/>
+                      </a:schemeClr>
+                    </a:gs>
+                  </a:gsLst>
+                  <a:lin ang="5400000"/>
+                </a:gradFill>
+                <a:effectLst>
+                  <a:outerShdw blurRad="38100" dist="38100" dir="2700000" algn="tl">
+                    <a:srgbClr val="000000">
+                      <a:alpha val="43137"/>
+                    </a:srgbClr>
+                  </a:outerShdw>
+                  <a:reflection blurRad="12700" stA="28000" endPos="45000" dist="1000" dir="5400000" sy="-100000" algn="bl" rotWithShape="0"/>
+                </a:effectLst>
+              </a:rPr>
+              <a:t>by</a:t>
+            </a:r>
+            <a:endParaRPr lang="pt-BR" sz="5400" b="1" cap="all" dirty="0">
+              <a:ln w="9000" cmpd="sng">
+                <a:solidFill>
+                  <a:schemeClr val="accent4">
+                    <a:shade val="50000"/>
+                    <a:satMod val="120000"/>
+                  </a:schemeClr>
+                </a:solidFill>
+                <a:prstDash val="solid"/>
+              </a:ln>
+              <a:gradFill>
+                <a:gsLst>
+                  <a:gs pos="0">
+                    <a:schemeClr val="accent4">
+                      <a:shade val="20000"/>
+                      <a:satMod val="245000"/>
+                    </a:schemeClr>
+                  </a:gs>
+                  <a:gs pos="43000">
+                    <a:schemeClr val="accent4">
+                      <a:satMod val="255000"/>
+                    </a:schemeClr>
+                  </a:gs>
+                  <a:gs pos="48000">
+                    <a:schemeClr val="accent4">
+                      <a:shade val="85000"/>
+                      <a:satMod val="255000"/>
+                    </a:schemeClr>
+                  </a:gs>
+                  <a:gs pos="100000">
+                    <a:schemeClr val="accent4">
+                      <a:shade val="20000"/>
+                      <a:satMod val="245000"/>
+                    </a:schemeClr>
+                  </a:gs>
+                </a:gsLst>
+                <a:lin ang="5400000"/>
+              </a:gradFill>
+              <a:effectLst>
+                <a:outerShdw blurRad="38100" dist="38100" dir="2700000" algn="tl">
+                  <a:srgbClr val="000000">
+                    <a:alpha val="43137"/>
+                  </a:srgbClr>
+                </a:outerShdw>
+                <a:reflection blurRad="12700" stA="28000" endPos="45000" dist="1000" dir="5400000" sy="-100000" algn="bl" rotWithShape="0"/>
+              </a:effectLst>
+            </a:endParaRPr>
+          </a:p>
+        </p:txBody>
+      </p:sp>
+    </p:spTree>
+  </p:cSld>
+  <p:clrMapOvr>
+    <a:masterClrMapping/>
+  </p:clrMapOvr>
+  <p:timing>
+    <p:tnLst>
+      <p:par>
+        <p:cTn id="1" dur="indefinite" restart="never" nodeType="tmRoot"/>
+      </p:par>
+    </p:tnLst>
+  </p:timing>
+</p:sld>
+</file>
+
+<file path=ppt/slides/slide8.xml><?xml version="1.0" encoding="utf-8"?>
+<p:sld xmlns:a="http://schemas.openxmlformats.org/drawingml/2006/main" xmlns:r="http://schemas.openxmlformats.org/officeDocument/2006/relationships" xmlns:p="http://schemas.openxmlformats.org/presentationml/2006/main">
+  <p:cSld>
+    <p:spTree>
+      <p:nvGrpSpPr>
+        <p:cNvPr id="1" name=""/>
+        <p:cNvGrpSpPr/>
+        <p:nvPr/>
+      </p:nvGrpSpPr>
+      <p:grpSpPr>
+        <a:xfrm>
+          <a:off x="0" y="0"/>
+          <a:ext cx="0" cy="0"/>
+          <a:chOff x="0" y="0"/>
+          <a:chExt cx="0" cy="0"/>
+        </a:xfrm>
+      </p:grpSpPr>
+      <p:sp>
+        <p:nvSpPr>
+          <p:cNvPr id="4" name="Retângulo 3"/>
+          <p:cNvSpPr/>
+          <p:nvPr/>
+        </p:nvSpPr>
+        <p:spPr>
+          <a:xfrm>
+            <a:off x="142844" y="785794"/>
+            <a:ext cx="8782917" cy="1631216"/>
+          </a:xfrm>
+          <a:prstGeom prst="rect">
+            <a:avLst/>
+          </a:prstGeom>
+          <a:noFill/>
+        </p:spPr>
+        <p:txBody>
+          <a:bodyPr wrap="none" lIns="91440" tIns="45720" rIns="91440" bIns="45720">
+            <a:spAutoFit/>
+          </a:bodyPr>
+          <a:lstStyle/>
+          <a:p>
+            <a:pPr algn="ctr"/>
+            <a:r>
+              <a:rPr lang="pt-BR" sz="5000" b="1" cap="all" dirty="0" smtClean="0">
+                <a:ln w="9000" cmpd="sng">
+                  <a:solidFill>
+                    <a:schemeClr val="accent4">
+                      <a:shade val="50000"/>
+                      <a:satMod val="120000"/>
+                    </a:schemeClr>
+                  </a:solidFill>
+                  <a:prstDash val="solid"/>
+                </a:ln>
+                <a:gradFill>
+                  <a:gsLst>
+                    <a:gs pos="0">
+                      <a:schemeClr val="accent4">
+                        <a:shade val="20000"/>
+                        <a:satMod val="245000"/>
+                      </a:schemeClr>
+                    </a:gs>
+                    <a:gs pos="43000">
+                      <a:schemeClr val="accent4">
+                        <a:satMod val="255000"/>
+                      </a:schemeClr>
+                    </a:gs>
+                    <a:gs pos="48000">
+                      <a:schemeClr val="accent4">
+                        <a:shade val="85000"/>
+                        <a:satMod val="255000"/>
+                      </a:schemeClr>
+                    </a:gs>
+                    <a:gs pos="100000">
+                      <a:schemeClr val="accent4">
+                        <a:shade val="20000"/>
+                        <a:satMod val="245000"/>
+                      </a:schemeClr>
+                    </a:gs>
+                  </a:gsLst>
+                  <a:lin ang="5400000"/>
+                </a:gradFill>
+                <a:effectLst>
+                  <a:outerShdw blurRad="38100" dist="38100" dir="2700000" algn="tl">
+                    <a:srgbClr val="000000">
+                      <a:alpha val="43137"/>
+                    </a:srgbClr>
+                  </a:outerShdw>
+                  <a:reflection blurRad="12700" stA="28000" endPos="45000" dist="1000" dir="5400000" sy="-100000" algn="bl" rotWithShape="0"/>
+                </a:effectLst>
+              </a:rPr>
+              <a:t>Agrupando Resultados </a:t>
+            </a:r>
+          </a:p>
+          <a:p>
+            <a:pPr algn="ctr"/>
+            <a:r>
+              <a:rPr lang="pt-BR" sz="5000" b="1" cap="all" dirty="0" smtClean="0">
+                <a:ln w="9000" cmpd="sng">
+                  <a:solidFill>
+                    <a:schemeClr val="accent4">
+                      <a:shade val="50000"/>
+                      <a:satMod val="120000"/>
+                    </a:schemeClr>
+                  </a:solidFill>
+                  <a:prstDash val="solid"/>
+                </a:ln>
+                <a:gradFill>
+                  <a:gsLst>
+                    <a:gs pos="0">
+                      <a:schemeClr val="accent4">
+                        <a:shade val="20000"/>
+                        <a:satMod val="245000"/>
+                      </a:schemeClr>
+                    </a:gs>
+                    <a:gs pos="43000">
+                      <a:schemeClr val="accent4">
+                        <a:satMod val="255000"/>
+                      </a:schemeClr>
+                    </a:gs>
+                    <a:gs pos="48000">
+                      <a:schemeClr val="accent4">
+                        <a:shade val="85000"/>
+                        <a:satMod val="255000"/>
+                      </a:schemeClr>
+                    </a:gs>
+                    <a:gs pos="100000">
+                      <a:schemeClr val="accent4">
+                        <a:shade val="20000"/>
+                        <a:satMod val="245000"/>
+                      </a:schemeClr>
+                    </a:gs>
+                  </a:gsLst>
+                  <a:lin ang="5400000"/>
+                </a:gradFill>
+                <a:effectLst>
+                  <a:outerShdw blurRad="38100" dist="38100" dir="2700000" algn="tl">
+                    <a:srgbClr val="000000">
+                      <a:alpha val="43137"/>
+                    </a:srgbClr>
+                  </a:outerShdw>
+                  <a:reflection blurRad="12700" stA="28000" endPos="45000" dist="1000" dir="5400000" sy="-100000" algn="bl" rotWithShape="0"/>
+                </a:effectLst>
+              </a:rPr>
+              <a:t>AVG</a:t>
+            </a:r>
+            <a:endParaRPr lang="pt-BR" sz="5000" b="1" cap="all" dirty="0">
+              <a:ln w="9000" cmpd="sng">
+                <a:solidFill>
+                  <a:schemeClr val="accent4">
+                    <a:shade val="50000"/>
+                    <a:satMod val="120000"/>
+                  </a:schemeClr>
+                </a:solidFill>
+                <a:prstDash val="solid"/>
+              </a:ln>
+              <a:gradFill>
+                <a:gsLst>
+                  <a:gs pos="0">
+                    <a:schemeClr val="accent4">
+                      <a:shade val="20000"/>
+                      <a:satMod val="245000"/>
+                    </a:schemeClr>
+                  </a:gs>
+                  <a:gs pos="43000">
+                    <a:schemeClr val="accent4">
+                      <a:satMod val="255000"/>
+                    </a:schemeClr>
+                  </a:gs>
+                  <a:gs pos="48000">
+                    <a:schemeClr val="accent4">
+                      <a:shade val="85000"/>
+                      <a:satMod val="255000"/>
+                    </a:schemeClr>
+                  </a:gs>
+                  <a:gs pos="100000">
+                    <a:schemeClr val="accent4">
+                      <a:shade val="20000"/>
+                      <a:satMod val="245000"/>
+                    </a:schemeClr>
+                  </a:gs>
+                </a:gsLst>
+                <a:lin ang="5400000"/>
+              </a:gradFill>
+              <a:effectLst>
+                <a:outerShdw blurRad="38100" dist="38100" dir="2700000" algn="tl">
+                  <a:srgbClr val="000000">
+                    <a:alpha val="43137"/>
+                  </a:srgbClr>
+                </a:outerShdw>
+                <a:reflection blurRad="12700" stA="28000" endPos="45000" dist="1000" dir="5400000" sy="-100000" algn="bl" rotWithShape="0"/>
+              </a:effectLst>
+            </a:endParaRPr>
+          </a:p>
+        </p:txBody>
+      </p:sp>
+      <p:pic>
+        <p:nvPicPr>
+          <p:cNvPr id="7170" name="Picture 2"/>
+          <p:cNvPicPr>
+            <a:picLocks noChangeAspect="1" noChangeArrowheads="1"/>
+          </p:cNvPicPr>
+          <p:nvPr/>
+        </p:nvPicPr>
+        <p:blipFill>
+          <a:blip r:embed="rId2"/>
+          <a:srcRect/>
+          <a:stretch>
+            <a:fillRect/>
+          </a:stretch>
+        </p:blipFill>
+        <p:spPr bwMode="auto">
+          <a:xfrm>
+            <a:off x="0" y="2643182"/>
+            <a:ext cx="9144000" cy="3786214"/>
+          </a:xfrm>
+          <a:prstGeom prst="rect">
+            <a:avLst/>
+          </a:prstGeom>
+          <a:noFill/>
+          <a:ln w="9525">
+            <a:noFill/>
+            <a:miter lim="800000"/>
+            <a:headEnd/>
+            <a:tailEnd/>
+          </a:ln>
+          <a:effectLst/>
+        </p:spPr>
+      </p:pic>
+    </p:spTree>
+  </p:cSld>
+  <p:clrMapOvr>
+    <a:masterClrMapping/>
+  </p:clrMapOvr>
+  <p:timing>
+    <p:tnLst>
+      <p:par>
+        <p:cTn id="1" dur="indefinite" restart="never" nodeType="tmRoot"/>
+      </p:par>
+    </p:tnLst>
+  </p:timing>
+</p:sld>
+</file>
+
+<file path=ppt/slides/slide9.xml><?xml version="1.0" encoding="utf-8"?>
+<p:sld xmlns:a="http://schemas.openxmlformats.org/drawingml/2006/main" xmlns:r="http://schemas.openxmlformats.org/officeDocument/2006/relationships" xmlns:p="http://schemas.openxmlformats.org/presentationml/2006/main">
+  <p:cSld>
+    <p:spTree>
+      <p:nvGrpSpPr>
+        <p:cNvPr id="1" name=""/>
+        <p:cNvGrpSpPr/>
+        <p:nvPr/>
+      </p:nvGrpSpPr>
+      <p:grpSpPr>
+        <a:xfrm>
+          <a:off x="0" y="0"/>
+          <a:ext cx="0" cy="0"/>
+          <a:chOff x="0" y="0"/>
+          <a:chExt cx="0" cy="0"/>
+        </a:xfrm>
+      </p:grpSpPr>
+      <p:sp>
+        <p:nvSpPr>
+          <p:cNvPr id="3" name="Retângulo 2"/>
+          <p:cNvSpPr/>
+          <p:nvPr/>
+        </p:nvSpPr>
+        <p:spPr>
+          <a:xfrm>
+            <a:off x="142844" y="785794"/>
+            <a:ext cx="8782917" cy="1631216"/>
+          </a:xfrm>
+          <a:prstGeom prst="rect">
+            <a:avLst/>
+          </a:prstGeom>
+          <a:noFill/>
+        </p:spPr>
+        <p:txBody>
+          <a:bodyPr wrap="none" lIns="91440" tIns="45720" rIns="91440" bIns="45720">
+            <a:spAutoFit/>
+          </a:bodyPr>
+          <a:lstStyle/>
+          <a:p>
+            <a:pPr algn="ctr"/>
+            <a:r>
+              <a:rPr lang="pt-BR" sz="5000" b="1" cap="all" dirty="0" smtClean="0">
+                <a:ln w="9000" cmpd="sng">
+                  <a:solidFill>
+                    <a:schemeClr val="accent4">
+                      <a:shade val="50000"/>
+                      <a:satMod val="120000"/>
+                    </a:schemeClr>
+                  </a:solidFill>
+                  <a:prstDash val="solid"/>
+                </a:ln>
+                <a:gradFill>
+                  <a:gsLst>
+                    <a:gs pos="0">
+                      <a:schemeClr val="accent4">
+                        <a:shade val="20000"/>
+                        <a:satMod val="245000"/>
+                      </a:schemeClr>
+                    </a:gs>
+                    <a:gs pos="43000">
+                      <a:schemeClr val="accent4">
+                        <a:satMod val="255000"/>
+                      </a:schemeClr>
+                    </a:gs>
+                    <a:gs pos="48000">
+                      <a:schemeClr val="accent4">
+                        <a:shade val="85000"/>
+                        <a:satMod val="255000"/>
+                      </a:schemeClr>
+                    </a:gs>
+                    <a:gs pos="100000">
+                      <a:schemeClr val="accent4">
+                        <a:shade val="20000"/>
+                        <a:satMod val="245000"/>
+                      </a:schemeClr>
+                    </a:gs>
+                  </a:gsLst>
+                  <a:lin ang="5400000"/>
+                </a:gradFill>
+                <a:effectLst>
+                  <a:outerShdw blurRad="38100" dist="38100" dir="2700000" algn="tl">
+                    <a:srgbClr val="000000">
+                      <a:alpha val="43137"/>
+                    </a:srgbClr>
+                  </a:outerShdw>
+                  <a:reflection blurRad="12700" stA="28000" endPos="45000" dist="1000" dir="5400000" sy="-100000" algn="bl" rotWithShape="0"/>
+                </a:effectLst>
+              </a:rPr>
+              <a:t>Agrupando Resultados </a:t>
+            </a:r>
+          </a:p>
+          <a:p>
+            <a:pPr algn="ctr"/>
+            <a:r>
+              <a:rPr lang="pt-BR" sz="5000" b="1" cap="all" dirty="0" smtClean="0">
+                <a:ln w="9000" cmpd="sng">
+                  <a:solidFill>
+                    <a:schemeClr val="accent4">
+                      <a:shade val="50000"/>
+                      <a:satMod val="120000"/>
+                    </a:schemeClr>
+                  </a:solidFill>
+                  <a:prstDash val="solid"/>
+                </a:ln>
+                <a:gradFill>
+                  <a:gsLst>
+                    <a:gs pos="0">
+                      <a:schemeClr val="accent4">
+                        <a:shade val="20000"/>
+                        <a:satMod val="245000"/>
+                      </a:schemeClr>
+                    </a:gs>
+                    <a:gs pos="43000">
+                      <a:schemeClr val="accent4">
+                        <a:satMod val="255000"/>
+                      </a:schemeClr>
+                    </a:gs>
+                    <a:gs pos="48000">
+                      <a:schemeClr val="accent4">
+                        <a:shade val="85000"/>
+                        <a:satMod val="255000"/>
+                      </a:schemeClr>
+                    </a:gs>
+                    <a:gs pos="100000">
+                      <a:schemeClr val="accent4">
+                        <a:shade val="20000"/>
+                        <a:satMod val="245000"/>
+                      </a:schemeClr>
+                    </a:gs>
+                  </a:gsLst>
+                  <a:lin ang="5400000"/>
+                </a:gradFill>
+                <a:effectLst>
+                  <a:outerShdw blurRad="38100" dist="38100" dir="2700000" algn="tl">
+                    <a:srgbClr val="000000">
+                      <a:alpha val="43137"/>
+                    </a:srgbClr>
+                  </a:outerShdw>
+                  <a:reflection blurRad="12700" stA="28000" endPos="45000" dist="1000" dir="5400000" sy="-100000" algn="bl" rotWithShape="0"/>
+                </a:effectLst>
+              </a:rPr>
+              <a:t>MAX</a:t>
+            </a:r>
+            <a:endParaRPr lang="pt-BR" sz="5000" b="1" cap="all" dirty="0">
+              <a:ln w="9000" cmpd="sng">
+                <a:solidFill>
+                  <a:schemeClr val="accent4">
+                    <a:shade val="50000"/>
+                    <a:satMod val="120000"/>
+                  </a:schemeClr>
+                </a:solidFill>
+                <a:prstDash val="solid"/>
+              </a:ln>
+              <a:gradFill>
+                <a:gsLst>
+                  <a:gs pos="0">
+                    <a:schemeClr val="accent4">
+                      <a:shade val="20000"/>
+                      <a:satMod val="245000"/>
+                    </a:schemeClr>
+                  </a:gs>
+                  <a:gs pos="43000">
+                    <a:schemeClr val="accent4">
+                      <a:satMod val="255000"/>
+                    </a:schemeClr>
+                  </a:gs>
+                  <a:gs pos="48000">
+                    <a:schemeClr val="accent4">
+                      <a:shade val="85000"/>
+                      <a:satMod val="255000"/>
+                    </a:schemeClr>
+                  </a:gs>
+                  <a:gs pos="100000">
+                    <a:schemeClr val="accent4">
+                      <a:shade val="20000"/>
+                      <a:satMod val="245000"/>
+                    </a:schemeClr>
+                  </a:gs>
+                </a:gsLst>
+                <a:lin ang="5400000"/>
+              </a:gradFill>
+              <a:effectLst>
+                <a:outerShdw blurRad="38100" dist="38100" dir="2700000" algn="tl">
+                  <a:srgbClr val="000000">
+                    <a:alpha val="43137"/>
+                  </a:srgbClr>
+                </a:outerShdw>
+                <a:reflection blurRad="12700" stA="28000" endPos="45000" dist="1000" dir="5400000" sy="-100000" algn="bl" rotWithShape="0"/>
+              </a:effectLst>
+            </a:endParaRPr>
+          </a:p>
+        </p:txBody>
+      </p:sp>
+      <p:pic>
+        <p:nvPicPr>
+          <p:cNvPr id="8194" name="Picture 2"/>
+          <p:cNvPicPr>
+            <a:picLocks noChangeAspect="1" noChangeArrowheads="1"/>
+          </p:cNvPicPr>
+          <p:nvPr/>
+        </p:nvPicPr>
+        <p:blipFill>
+          <a:blip r:embed="rId2"/>
+          <a:srcRect/>
+          <a:stretch>
+            <a:fillRect/>
+          </a:stretch>
+        </p:blipFill>
+        <p:spPr bwMode="auto">
+          <a:xfrm>
+            <a:off x="0" y="3071810"/>
+            <a:ext cx="9191625" cy="3500462"/>
+          </a:xfrm>
+          <a:prstGeom prst="rect">
+            <a:avLst/>
+          </a:prstGeom>
+          <a:noFill/>
+          <a:ln w="9525">
+            <a:noFill/>
+            <a:miter lim="800000"/>
+            <a:headEnd/>
+            <a:tailEnd/>
+          </a:ln>
+          <a:effectLst/>
+        </p:spPr>
+      </p:pic>
     </p:spTree>
   </p:cSld>
   <p:clrMapOvr>
